--- a/Write up/101. Transfer Report/Figures.pptx
+++ b/Write up/101. Transfer Report/Figures.pptx
@@ -5,7 +5,11 @@
     <p:sldMasterId id="2147483648" r:id="rId1"/>
   </p:sldMasterIdLst>
   <p:sldIdLst>
-    <p:sldId id="256" r:id="rId2"/>
+    <p:sldId id="260" r:id="rId2"/>
+    <p:sldId id="257" r:id="rId3"/>
+    <p:sldId id="256" r:id="rId4"/>
+    <p:sldId id="258" r:id="rId5"/>
+    <p:sldId id="259" r:id="rId6"/>
   </p:sldIdLst>
   <p:sldSz cx="12192000" cy="6858000"/>
   <p:notesSz cx="6858000" cy="9144000"/>
@@ -104,6 +108,11 @@
       </a:defRPr>
     </a:lvl9pPr>
   </p:defaultTextStyle>
+  <p:extLst>
+    <p:ext uri="{EFAFB233-063F-42B5-8137-9DF3F51BA10A}">
+      <p15:sldGuideLst xmlns:p15="http://schemas.microsoft.com/office/powerpoint/2012/main"/>
+    </p:ext>
+  </p:extLst>
 </p:presentation>
 </file>
 
@@ -256,7 +265,7 @@
           <a:p>
             <a:fld id="{CE663C85-7007-4B52-91CD-76C882B3947F}" type="datetimeFigureOut">
               <a:rPr lang="en-GB" smtClean="0"/>
-              <a:t>09/05/2019</a:t>
+              <a:t>30/05/2019</a:t>
             </a:fld>
             <a:endParaRPr lang="en-GB"/>
           </a:p>
@@ -456,7 +465,7 @@
           <a:p>
             <a:fld id="{CE663C85-7007-4B52-91CD-76C882B3947F}" type="datetimeFigureOut">
               <a:rPr lang="en-GB" smtClean="0"/>
-              <a:t>09/05/2019</a:t>
+              <a:t>30/05/2019</a:t>
             </a:fld>
             <a:endParaRPr lang="en-GB"/>
           </a:p>
@@ -666,7 +675,7 @@
           <a:p>
             <a:fld id="{CE663C85-7007-4B52-91CD-76C882B3947F}" type="datetimeFigureOut">
               <a:rPr lang="en-GB" smtClean="0"/>
-              <a:t>09/05/2019</a:t>
+              <a:t>30/05/2019</a:t>
             </a:fld>
             <a:endParaRPr lang="en-GB"/>
           </a:p>
@@ -866,7 +875,7 @@
           <a:p>
             <a:fld id="{CE663C85-7007-4B52-91CD-76C882B3947F}" type="datetimeFigureOut">
               <a:rPr lang="en-GB" smtClean="0"/>
-              <a:t>09/05/2019</a:t>
+              <a:t>30/05/2019</a:t>
             </a:fld>
             <a:endParaRPr lang="en-GB"/>
           </a:p>
@@ -1142,7 +1151,7 @@
           <a:p>
             <a:fld id="{CE663C85-7007-4B52-91CD-76C882B3947F}" type="datetimeFigureOut">
               <a:rPr lang="en-GB" smtClean="0"/>
-              <a:t>09/05/2019</a:t>
+              <a:t>30/05/2019</a:t>
             </a:fld>
             <a:endParaRPr lang="en-GB"/>
           </a:p>
@@ -1410,7 +1419,7 @@
           <a:p>
             <a:fld id="{CE663C85-7007-4B52-91CD-76C882B3947F}" type="datetimeFigureOut">
               <a:rPr lang="en-GB" smtClean="0"/>
-              <a:t>09/05/2019</a:t>
+              <a:t>30/05/2019</a:t>
             </a:fld>
             <a:endParaRPr lang="en-GB"/>
           </a:p>
@@ -1825,7 +1834,7 @@
           <a:p>
             <a:fld id="{CE663C85-7007-4B52-91CD-76C882B3947F}" type="datetimeFigureOut">
               <a:rPr lang="en-GB" smtClean="0"/>
-              <a:t>09/05/2019</a:t>
+              <a:t>30/05/2019</a:t>
             </a:fld>
             <a:endParaRPr lang="en-GB"/>
           </a:p>
@@ -1967,7 +1976,7 @@
           <a:p>
             <a:fld id="{CE663C85-7007-4B52-91CD-76C882B3947F}" type="datetimeFigureOut">
               <a:rPr lang="en-GB" smtClean="0"/>
-              <a:t>09/05/2019</a:t>
+              <a:t>30/05/2019</a:t>
             </a:fld>
             <a:endParaRPr lang="en-GB"/>
           </a:p>
@@ -2080,7 +2089,7 @@
           <a:p>
             <a:fld id="{CE663C85-7007-4B52-91CD-76C882B3947F}" type="datetimeFigureOut">
               <a:rPr lang="en-GB" smtClean="0"/>
-              <a:t>09/05/2019</a:t>
+              <a:t>30/05/2019</a:t>
             </a:fld>
             <a:endParaRPr lang="en-GB"/>
           </a:p>
@@ -2393,7 +2402,7 @@
           <a:p>
             <a:fld id="{CE663C85-7007-4B52-91CD-76C882B3947F}" type="datetimeFigureOut">
               <a:rPr lang="en-GB" smtClean="0"/>
-              <a:t>09/05/2019</a:t>
+              <a:t>30/05/2019</a:t>
             </a:fld>
             <a:endParaRPr lang="en-GB"/>
           </a:p>
@@ -2682,7 +2691,7 @@
           <a:p>
             <a:fld id="{CE663C85-7007-4B52-91CD-76C882B3947F}" type="datetimeFigureOut">
               <a:rPr lang="en-GB" smtClean="0"/>
-              <a:t>09/05/2019</a:t>
+              <a:t>30/05/2019</a:t>
             </a:fld>
             <a:endParaRPr lang="en-GB"/>
           </a:p>
@@ -2925,7 +2934,7 @@
           <a:p>
             <a:fld id="{CE663C85-7007-4B52-91CD-76C882B3947F}" type="datetimeFigureOut">
               <a:rPr lang="en-GB" smtClean="0"/>
-              <a:t>09/05/2019</a:t>
+              <a:t>30/05/2019</a:t>
             </a:fld>
             <a:endParaRPr lang="en-GB"/>
           </a:p>
@@ -3344,6 +3353,631 @@
       </p:grpSpPr>
       <p:grpSp>
         <p:nvGrpSpPr>
+          <p:cNvPr id="12" name="Group 11">
+            <a:extLst>
+              <a:ext uri="{FF2B5EF4-FFF2-40B4-BE49-F238E27FC236}">
+                <a16:creationId xmlns:a16="http://schemas.microsoft.com/office/drawing/2014/main" id="{20324F6E-4AA0-450F-A643-B4323DC941BC}"/>
+              </a:ext>
+            </a:extLst>
+          </p:cNvPr>
+          <p:cNvGrpSpPr/>
+          <p:nvPr/>
+        </p:nvGrpSpPr>
+        <p:grpSpPr>
+          <a:xfrm>
+            <a:off x="3868614" y="763169"/>
+            <a:ext cx="3516924" cy="5331662"/>
+            <a:chOff x="2715064" y="956599"/>
+            <a:chExt cx="3516924" cy="5331662"/>
+          </a:xfrm>
+        </p:grpSpPr>
+        <p:pic>
+          <p:nvPicPr>
+            <p:cNvPr id="10" name="Picture 9" descr="A picture containing indoor, wall, monitor&#10;&#10;Description automatically generated">
+              <a:extLst>
+                <a:ext uri="{FF2B5EF4-FFF2-40B4-BE49-F238E27FC236}">
+                  <a16:creationId xmlns:a16="http://schemas.microsoft.com/office/drawing/2014/main" id="{60F557F6-8584-448B-886D-AB12A7567AF9}"/>
+                </a:ext>
+              </a:extLst>
+            </p:cNvPr>
+            <p:cNvPicPr>
+              <a:picLocks noChangeAspect="1"/>
+            </p:cNvPicPr>
+            <p:nvPr/>
+          </p:nvPicPr>
+          <p:blipFill rotWithShape="1">
+            <a:blip r:embed="rId2">
+              <a:extLst>
+                <a:ext uri="{28A0092B-C50C-407E-A947-70E740481C1C}">
+                  <a14:useLocalDpi xmlns:a14="http://schemas.microsoft.com/office/drawing/2010/main" val="0"/>
+                </a:ext>
+              </a:extLst>
+            </a:blip>
+            <a:srcRect l="6420" t="10298" b="7702"/>
+            <a:stretch/>
+          </p:blipFill>
+          <p:spPr>
+            <a:xfrm rot="5400000">
+              <a:off x="1807697" y="1863970"/>
+              <a:ext cx="5331658" cy="3516923"/>
+            </a:xfrm>
+            <a:prstGeom prst="rect">
+              <a:avLst/>
+            </a:prstGeom>
+          </p:spPr>
+        </p:pic>
+        <p:sp>
+          <p:nvSpPr>
+            <p:cNvPr id="11" name="Rectangle 10">
+              <a:extLst>
+                <a:ext uri="{FF2B5EF4-FFF2-40B4-BE49-F238E27FC236}">
+                  <a16:creationId xmlns:a16="http://schemas.microsoft.com/office/drawing/2014/main" id="{D5873816-14F1-4CBA-BCCA-46744AEA1251}"/>
+                </a:ext>
+              </a:extLst>
+            </p:cNvPr>
+            <p:cNvSpPr/>
+            <p:nvPr/>
+          </p:nvSpPr>
+          <p:spPr>
+            <a:xfrm>
+              <a:off x="2715064" y="956599"/>
+              <a:ext cx="3516924" cy="5331659"/>
+            </a:xfrm>
+            <a:prstGeom prst="rect">
+              <a:avLst/>
+            </a:prstGeom>
+            <a:noFill/>
+            <a:ln w="28575">
+              <a:solidFill>
+                <a:schemeClr val="tx1"/>
+              </a:solidFill>
+            </a:ln>
+          </p:spPr>
+          <p:style>
+            <a:lnRef idx="2">
+              <a:schemeClr val="accent1">
+                <a:shade val="50000"/>
+              </a:schemeClr>
+            </a:lnRef>
+            <a:fillRef idx="1">
+              <a:schemeClr val="accent1"/>
+            </a:fillRef>
+            <a:effectRef idx="0">
+              <a:schemeClr val="accent1"/>
+            </a:effectRef>
+            <a:fontRef idx="minor">
+              <a:schemeClr val="lt1"/>
+            </a:fontRef>
+          </p:style>
+          <p:txBody>
+            <a:bodyPr rtlCol="0" anchor="ctr"/>
+            <a:lstStyle/>
+            <a:p>
+              <a:pPr algn="ctr"/>
+              <a:endParaRPr lang="en-GB"/>
+            </a:p>
+          </p:txBody>
+        </p:sp>
+      </p:grpSp>
+      <p:sp>
+        <p:nvSpPr>
+          <p:cNvPr id="13" name="TextBox 12">
+            <a:extLst>
+              <a:ext uri="{FF2B5EF4-FFF2-40B4-BE49-F238E27FC236}">
+                <a16:creationId xmlns:a16="http://schemas.microsoft.com/office/drawing/2014/main" id="{16ADD4A2-BEFB-4F8A-9A21-11537E744935}"/>
+              </a:ext>
+            </a:extLst>
+          </p:cNvPr>
+          <p:cNvSpPr txBox="1"/>
+          <p:nvPr/>
+        </p:nvSpPr>
+        <p:spPr>
+          <a:xfrm>
+            <a:off x="7906043" y="1181686"/>
+            <a:ext cx="1838132" cy="461665"/>
+          </a:xfrm>
+          <a:prstGeom prst="rect">
+            <a:avLst/>
+          </a:prstGeom>
+          <a:noFill/>
+        </p:spPr>
+        <p:txBody>
+          <a:bodyPr wrap="none" rtlCol="0">
+            <a:spAutoFit/>
+          </a:bodyPr>
+          <a:lstStyle/>
+          <a:p>
+            <a:r>
+              <a:rPr lang="en-GB" sz="2400" dirty="0"/>
+              <a:t>Game Screen</a:t>
+            </a:r>
+          </a:p>
+        </p:txBody>
+      </p:sp>
+      <p:cxnSp>
+        <p:nvCxnSpPr>
+          <p:cNvPr id="15" name="Straight Arrow Connector 14">
+            <a:extLst>
+              <a:ext uri="{FF2B5EF4-FFF2-40B4-BE49-F238E27FC236}">
+                <a16:creationId xmlns:a16="http://schemas.microsoft.com/office/drawing/2014/main" id="{CD115637-ECDB-4638-8DD8-C5BA3E337EFF}"/>
+              </a:ext>
+            </a:extLst>
+          </p:cNvPr>
+          <p:cNvCxnSpPr>
+            <a:cxnSpLocks/>
+          </p:cNvCxnSpPr>
+          <p:nvPr/>
+        </p:nvCxnSpPr>
+        <p:spPr>
+          <a:xfrm flipH="1">
+            <a:off x="6872067" y="3708195"/>
+            <a:ext cx="1026942" cy="0"/>
+          </a:xfrm>
+          <a:prstGeom prst="straightConnector1">
+            <a:avLst/>
+          </a:prstGeom>
+          <a:ln w="57150">
+            <a:solidFill>
+              <a:srgbClr val="FF0000"/>
+            </a:solidFill>
+            <a:tailEnd type="triangle"/>
+          </a:ln>
+        </p:spPr>
+        <p:style>
+          <a:lnRef idx="1">
+            <a:schemeClr val="accent1"/>
+          </a:lnRef>
+          <a:fillRef idx="0">
+            <a:schemeClr val="accent1"/>
+          </a:fillRef>
+          <a:effectRef idx="0">
+            <a:schemeClr val="accent1"/>
+          </a:effectRef>
+          <a:fontRef idx="minor">
+            <a:schemeClr val="tx1"/>
+          </a:fontRef>
+        </p:style>
+      </p:cxnSp>
+      <p:sp>
+        <p:nvSpPr>
+          <p:cNvPr id="18" name="TextBox 17">
+            <a:extLst>
+              <a:ext uri="{FF2B5EF4-FFF2-40B4-BE49-F238E27FC236}">
+                <a16:creationId xmlns:a16="http://schemas.microsoft.com/office/drawing/2014/main" id="{DA38236A-219C-4D38-BE59-43B637E4308D}"/>
+              </a:ext>
+            </a:extLst>
+          </p:cNvPr>
+          <p:cNvSpPr txBox="1"/>
+          <p:nvPr/>
+        </p:nvSpPr>
+        <p:spPr>
+          <a:xfrm>
+            <a:off x="7899009" y="3477362"/>
+            <a:ext cx="2148986" cy="461665"/>
+          </a:xfrm>
+          <a:prstGeom prst="rect">
+            <a:avLst/>
+          </a:prstGeom>
+          <a:noFill/>
+        </p:spPr>
+        <p:txBody>
+          <a:bodyPr wrap="none" rtlCol="0">
+            <a:spAutoFit/>
+          </a:bodyPr>
+          <a:lstStyle/>
+          <a:p>
+            <a:r>
+              <a:rPr lang="en-GB" sz="2400" dirty="0"/>
+              <a:t>Powered joint 1</a:t>
+            </a:r>
+          </a:p>
+        </p:txBody>
+      </p:sp>
+      <p:cxnSp>
+        <p:nvCxnSpPr>
+          <p:cNvPr id="19" name="Straight Arrow Connector 18">
+            <a:extLst>
+              <a:ext uri="{FF2B5EF4-FFF2-40B4-BE49-F238E27FC236}">
+                <a16:creationId xmlns:a16="http://schemas.microsoft.com/office/drawing/2014/main" id="{75523DCC-3942-4074-992B-247F08AB10BD}"/>
+              </a:ext>
+            </a:extLst>
+          </p:cNvPr>
+          <p:cNvCxnSpPr>
+            <a:cxnSpLocks/>
+          </p:cNvCxnSpPr>
+          <p:nvPr/>
+        </p:nvCxnSpPr>
+        <p:spPr>
+          <a:xfrm flipH="1">
+            <a:off x="6879101" y="1443296"/>
+            <a:ext cx="1026942" cy="0"/>
+          </a:xfrm>
+          <a:prstGeom prst="straightConnector1">
+            <a:avLst/>
+          </a:prstGeom>
+          <a:ln w="57150">
+            <a:solidFill>
+              <a:srgbClr val="FF0000"/>
+            </a:solidFill>
+            <a:tailEnd type="triangle"/>
+          </a:ln>
+        </p:spPr>
+        <p:style>
+          <a:lnRef idx="1">
+            <a:schemeClr val="accent1"/>
+          </a:lnRef>
+          <a:fillRef idx="0">
+            <a:schemeClr val="accent1"/>
+          </a:fillRef>
+          <a:effectRef idx="0">
+            <a:schemeClr val="accent1"/>
+          </a:effectRef>
+          <a:fontRef idx="minor">
+            <a:schemeClr val="tx1"/>
+          </a:fontRef>
+        </p:style>
+      </p:cxnSp>
+      <p:sp>
+        <p:nvSpPr>
+          <p:cNvPr id="20" name="TextBox 19">
+            <a:extLst>
+              <a:ext uri="{FF2B5EF4-FFF2-40B4-BE49-F238E27FC236}">
+                <a16:creationId xmlns:a16="http://schemas.microsoft.com/office/drawing/2014/main" id="{16AC928F-118E-49FE-B4B1-E7664493AE19}"/>
+              </a:ext>
+            </a:extLst>
+          </p:cNvPr>
+          <p:cNvSpPr txBox="1"/>
+          <p:nvPr/>
+        </p:nvSpPr>
+        <p:spPr>
+          <a:xfrm>
+            <a:off x="1292395" y="3243010"/>
+            <a:ext cx="2148986" cy="461665"/>
+          </a:xfrm>
+          <a:prstGeom prst="rect">
+            <a:avLst/>
+          </a:prstGeom>
+          <a:noFill/>
+        </p:spPr>
+        <p:txBody>
+          <a:bodyPr wrap="none" rtlCol="0">
+            <a:spAutoFit/>
+          </a:bodyPr>
+          <a:lstStyle/>
+          <a:p>
+            <a:r>
+              <a:rPr lang="en-GB" sz="2400" dirty="0"/>
+              <a:t>Powered joint 0</a:t>
+            </a:r>
+          </a:p>
+        </p:txBody>
+      </p:sp>
+      <p:cxnSp>
+        <p:nvCxnSpPr>
+          <p:cNvPr id="22" name="Straight Arrow Connector 21">
+            <a:extLst>
+              <a:ext uri="{FF2B5EF4-FFF2-40B4-BE49-F238E27FC236}">
+                <a16:creationId xmlns:a16="http://schemas.microsoft.com/office/drawing/2014/main" id="{D8DC2B3E-87E6-4493-B078-D879E0B0674C}"/>
+              </a:ext>
+            </a:extLst>
+          </p:cNvPr>
+          <p:cNvCxnSpPr>
+            <a:cxnSpLocks/>
+            <a:stCxn id="20" idx="3"/>
+          </p:cNvCxnSpPr>
+          <p:nvPr/>
+        </p:nvCxnSpPr>
+        <p:spPr>
+          <a:xfrm flipV="1">
+            <a:off x="3441381" y="3473842"/>
+            <a:ext cx="2059087" cy="1"/>
+          </a:xfrm>
+          <a:prstGeom prst="straightConnector1">
+            <a:avLst/>
+          </a:prstGeom>
+          <a:ln w="57150">
+            <a:solidFill>
+              <a:srgbClr val="FF0000"/>
+            </a:solidFill>
+            <a:tailEnd type="triangle"/>
+          </a:ln>
+        </p:spPr>
+        <p:style>
+          <a:lnRef idx="1">
+            <a:schemeClr val="accent1"/>
+          </a:lnRef>
+          <a:fillRef idx="0">
+            <a:schemeClr val="accent1"/>
+          </a:fillRef>
+          <a:effectRef idx="0">
+            <a:schemeClr val="accent1"/>
+          </a:effectRef>
+          <a:fontRef idx="minor">
+            <a:schemeClr val="tx1"/>
+          </a:fontRef>
+        </p:style>
+      </p:cxnSp>
+      <p:sp>
+        <p:nvSpPr>
+          <p:cNvPr id="23" name="TextBox 22">
+            <a:extLst>
+              <a:ext uri="{FF2B5EF4-FFF2-40B4-BE49-F238E27FC236}">
+                <a16:creationId xmlns:a16="http://schemas.microsoft.com/office/drawing/2014/main" id="{C7334DF1-AC08-4FC5-A5EA-59E96785E6EE}"/>
+              </a:ext>
+            </a:extLst>
+          </p:cNvPr>
+          <p:cNvSpPr txBox="1"/>
+          <p:nvPr/>
+        </p:nvSpPr>
+        <p:spPr>
+          <a:xfrm>
+            <a:off x="1241416" y="4416378"/>
+            <a:ext cx="1072730" cy="461665"/>
+          </a:xfrm>
+          <a:prstGeom prst="rect">
+            <a:avLst/>
+          </a:prstGeom>
+          <a:noFill/>
+        </p:spPr>
+        <p:txBody>
+          <a:bodyPr wrap="none" rtlCol="0">
+            <a:spAutoFit/>
+          </a:bodyPr>
+          <a:lstStyle/>
+          <a:p>
+            <a:r>
+              <a:rPr lang="en-GB" sz="2400" dirty="0"/>
+              <a:t>Handle</a:t>
+            </a:r>
+            <a:endParaRPr lang="en-GB" dirty="0"/>
+          </a:p>
+        </p:txBody>
+      </p:sp>
+      <p:cxnSp>
+        <p:nvCxnSpPr>
+          <p:cNvPr id="24" name="Straight Arrow Connector 23">
+            <a:extLst>
+              <a:ext uri="{FF2B5EF4-FFF2-40B4-BE49-F238E27FC236}">
+                <a16:creationId xmlns:a16="http://schemas.microsoft.com/office/drawing/2014/main" id="{F30B0013-3BFE-4633-B43E-3B0D524AB919}"/>
+              </a:ext>
+            </a:extLst>
+          </p:cNvPr>
+          <p:cNvCxnSpPr>
+            <a:cxnSpLocks/>
+            <a:stCxn id="23" idx="3"/>
+          </p:cNvCxnSpPr>
+          <p:nvPr/>
+        </p:nvCxnSpPr>
+        <p:spPr>
+          <a:xfrm flipV="1">
+            <a:off x="2314146" y="3726385"/>
+            <a:ext cx="3687354" cy="920826"/>
+          </a:xfrm>
+          <a:prstGeom prst="straightConnector1">
+            <a:avLst/>
+          </a:prstGeom>
+          <a:ln w="57150">
+            <a:solidFill>
+              <a:srgbClr val="FF0000"/>
+            </a:solidFill>
+            <a:tailEnd type="triangle"/>
+          </a:ln>
+        </p:spPr>
+        <p:style>
+          <a:lnRef idx="1">
+            <a:schemeClr val="accent1"/>
+          </a:lnRef>
+          <a:fillRef idx="0">
+            <a:schemeClr val="accent1"/>
+          </a:fillRef>
+          <a:effectRef idx="0">
+            <a:schemeClr val="accent1"/>
+          </a:effectRef>
+          <a:fontRef idx="minor">
+            <a:schemeClr val="tx1"/>
+          </a:fontRef>
+        </p:style>
+      </p:cxnSp>
+    </p:spTree>
+    <p:extLst>
+      <p:ext uri="{BB962C8B-B14F-4D97-AF65-F5344CB8AC3E}">
+        <p14:creationId xmlns:p14="http://schemas.microsoft.com/office/powerpoint/2010/main" val="2672158763"/>
+      </p:ext>
+    </p:extLst>
+  </p:cSld>
+  <p:clrMapOvr>
+    <a:masterClrMapping/>
+  </p:clrMapOvr>
+</p:sld>
+</file>
+
+<file path=ppt/slides/slide2.xml><?xml version="1.0" encoding="utf-8"?>
+<p:sld xmlns:a="http://schemas.openxmlformats.org/drawingml/2006/main" xmlns:r="http://schemas.openxmlformats.org/officeDocument/2006/relationships" xmlns:p="http://schemas.openxmlformats.org/presentationml/2006/main">
+  <p:cSld>
+    <p:spTree>
+      <p:nvGrpSpPr>
+        <p:cNvPr id="1" name=""/>
+        <p:cNvGrpSpPr/>
+        <p:nvPr/>
+      </p:nvGrpSpPr>
+      <p:grpSpPr>
+        <a:xfrm>
+          <a:off x="0" y="0"/>
+          <a:ext cx="0" cy="0"/>
+          <a:chOff x="0" y="0"/>
+          <a:chExt cx="0" cy="0"/>
+        </a:xfrm>
+      </p:grpSpPr>
+      <p:grpSp>
+        <p:nvGrpSpPr>
+          <p:cNvPr id="9" name="Group 8">
+            <a:extLst>
+              <a:ext uri="{FF2B5EF4-FFF2-40B4-BE49-F238E27FC236}">
+                <a16:creationId xmlns:a16="http://schemas.microsoft.com/office/drawing/2014/main" id="{2FBE1567-422E-4A36-A9EA-51FF8C03FAD0}"/>
+              </a:ext>
+            </a:extLst>
+          </p:cNvPr>
+          <p:cNvGrpSpPr/>
+          <p:nvPr/>
+        </p:nvGrpSpPr>
+        <p:grpSpPr>
+          <a:xfrm>
+            <a:off x="1975338" y="491636"/>
+            <a:ext cx="6039109" cy="4532185"/>
+            <a:chOff x="1975338" y="491636"/>
+            <a:chExt cx="6689147" cy="5529336"/>
+          </a:xfrm>
+        </p:grpSpPr>
+        <p:pic>
+          <p:nvPicPr>
+            <p:cNvPr id="4" name="Picture 3">
+              <a:extLst>
+                <a:ext uri="{FF2B5EF4-FFF2-40B4-BE49-F238E27FC236}">
+                  <a16:creationId xmlns:a16="http://schemas.microsoft.com/office/drawing/2014/main" id="{B775D1AA-11C4-45A4-95E6-96E122A2AE1F}"/>
+                </a:ext>
+              </a:extLst>
+            </p:cNvPr>
+            <p:cNvPicPr>
+              <a:picLocks noChangeAspect="1"/>
+            </p:cNvPicPr>
+            <p:nvPr/>
+          </p:nvPicPr>
+          <p:blipFill>
+            <a:blip r:embed="rId2"/>
+            <a:stretch>
+              <a:fillRect/>
+            </a:stretch>
+          </p:blipFill>
+          <p:spPr>
+            <a:xfrm>
+              <a:off x="1975338" y="491636"/>
+              <a:ext cx="6689147" cy="5529336"/>
+            </a:xfrm>
+            <a:prstGeom prst="rect">
+              <a:avLst/>
+            </a:prstGeom>
+          </p:spPr>
+        </p:pic>
+        <p:cxnSp>
+          <p:nvCxnSpPr>
+            <p:cNvPr id="6" name="Straight Arrow Connector 5">
+              <a:extLst>
+                <a:ext uri="{FF2B5EF4-FFF2-40B4-BE49-F238E27FC236}">
+                  <a16:creationId xmlns:a16="http://schemas.microsoft.com/office/drawing/2014/main" id="{FB0FB409-A3A0-4AE8-8640-32DCB85DAC1E}"/>
+                </a:ext>
+              </a:extLst>
+            </p:cNvPr>
+            <p:cNvCxnSpPr>
+              <a:cxnSpLocks/>
+            </p:cNvCxnSpPr>
+            <p:nvPr/>
+          </p:nvCxnSpPr>
+          <p:spPr>
+            <a:xfrm>
+              <a:off x="4060852" y="2757267"/>
+              <a:ext cx="2518118" cy="1800665"/>
+            </a:xfrm>
+            <a:prstGeom prst="straightConnector1">
+              <a:avLst/>
+            </a:prstGeom>
+            <a:ln w="38100">
+              <a:solidFill>
+                <a:schemeClr val="tx1"/>
+              </a:solidFill>
+              <a:tailEnd type="triangle"/>
+            </a:ln>
+          </p:spPr>
+          <p:style>
+            <a:lnRef idx="1">
+              <a:schemeClr val="accent1"/>
+            </a:lnRef>
+            <a:fillRef idx="0">
+              <a:schemeClr val="accent1"/>
+            </a:fillRef>
+            <a:effectRef idx="0">
+              <a:schemeClr val="accent1"/>
+            </a:effectRef>
+            <a:fontRef idx="minor">
+              <a:schemeClr val="tx1"/>
+            </a:fontRef>
+          </p:style>
+        </p:cxnSp>
+        <p:sp>
+          <p:nvSpPr>
+            <p:cNvPr id="8" name="TextBox 7">
+              <a:extLst>
+                <a:ext uri="{FF2B5EF4-FFF2-40B4-BE49-F238E27FC236}">
+                  <a16:creationId xmlns:a16="http://schemas.microsoft.com/office/drawing/2014/main" id="{E0290B6E-9C43-4A89-831F-4747E041B781}"/>
+                </a:ext>
+              </a:extLst>
+            </p:cNvPr>
+            <p:cNvSpPr txBox="1"/>
+            <p:nvPr/>
+          </p:nvSpPr>
+          <p:spPr>
+            <a:xfrm>
+              <a:off x="4254412" y="3545058"/>
+              <a:ext cx="1197571" cy="707886"/>
+            </a:xfrm>
+            <a:prstGeom prst="rect">
+              <a:avLst/>
+            </a:prstGeom>
+            <a:noFill/>
+          </p:spPr>
+          <p:txBody>
+            <a:bodyPr wrap="none" rtlCol="0">
+              <a:spAutoFit/>
+            </a:bodyPr>
+            <a:lstStyle/>
+            <a:p>
+              <a:pPr algn="ctr"/>
+              <a:r>
+                <a:rPr lang="en-GB" sz="2000" dirty="0"/>
+                <a:t>Direction </a:t>
+              </a:r>
+            </a:p>
+            <a:p>
+              <a:pPr algn="ctr"/>
+              <a:r>
+                <a:rPr lang="en-GB" sz="2000" dirty="0"/>
+                <a:t>of travel</a:t>
+              </a:r>
+            </a:p>
+          </p:txBody>
+        </p:sp>
+      </p:grpSp>
+    </p:spTree>
+    <p:extLst>
+      <p:ext uri="{BB962C8B-B14F-4D97-AF65-F5344CB8AC3E}">
+        <p14:creationId xmlns:p14="http://schemas.microsoft.com/office/powerpoint/2010/main" val="1795110860"/>
+      </p:ext>
+    </p:extLst>
+  </p:cSld>
+  <p:clrMapOvr>
+    <a:masterClrMapping/>
+  </p:clrMapOvr>
+</p:sld>
+</file>
+
+<file path=ppt/slides/slide3.xml><?xml version="1.0" encoding="utf-8"?>
+<p:sld xmlns:a="http://schemas.openxmlformats.org/drawingml/2006/main" xmlns:r="http://schemas.openxmlformats.org/officeDocument/2006/relationships" xmlns:p="http://schemas.openxmlformats.org/presentationml/2006/main">
+  <p:cSld>
+    <p:spTree>
+      <p:nvGrpSpPr>
+        <p:cNvPr id="1" name=""/>
+        <p:cNvGrpSpPr/>
+        <p:nvPr/>
+      </p:nvGrpSpPr>
+      <p:grpSpPr>
+        <a:xfrm>
+          <a:off x="0" y="0"/>
+          <a:ext cx="0" cy="0"/>
+          <a:chOff x="0" y="0"/>
+          <a:chExt cx="0" cy="0"/>
+        </a:xfrm>
+      </p:grpSpPr>
+      <p:grpSp>
+        <p:nvGrpSpPr>
           <p:cNvPr id="92" name="Group 91">
             <a:extLst>
               <a:ext uri="{FF2B5EF4-FFF2-40B4-BE49-F238E27FC236}">
@@ -9556,8 +10190,8 @@
         </p:nvSpPr>
         <p:spPr>
           <a:xfrm>
-            <a:off x="1650184" y="323667"/>
-            <a:ext cx="348172" cy="369332"/>
+            <a:off x="1008339" y="5942096"/>
+            <a:ext cx="1455335" cy="369332"/>
           </a:xfrm>
           <a:prstGeom prst="rect">
             <a:avLst/>
@@ -9572,7 +10206,7 @@
           <a:p>
             <a:r>
               <a:rPr lang="en-GB" dirty="0"/>
-              <a:t>i  </a:t>
+              <a:t>EcoFlex 0010 </a:t>
             </a:r>
           </a:p>
         </p:txBody>
@@ -9682,10 +10316,2617 @@
           </a:p>
         </p:txBody>
       </p:sp>
+      <p:sp>
+        <p:nvSpPr>
+          <p:cNvPr id="159" name="TextBox 158">
+            <a:extLst>
+              <a:ext uri="{FF2B5EF4-FFF2-40B4-BE49-F238E27FC236}">
+                <a16:creationId xmlns:a16="http://schemas.microsoft.com/office/drawing/2014/main" id="{B3C34F74-EBE1-4C79-BB71-BCA9EA1D37EC}"/>
+              </a:ext>
+            </a:extLst>
+          </p:cNvPr>
+          <p:cNvSpPr txBox="1"/>
+          <p:nvPr/>
+        </p:nvSpPr>
+        <p:spPr>
+          <a:xfrm>
+            <a:off x="4824363" y="5942096"/>
+            <a:ext cx="1455335" cy="369332"/>
+          </a:xfrm>
+          <a:prstGeom prst="rect">
+            <a:avLst/>
+          </a:prstGeom>
+          <a:noFill/>
+        </p:spPr>
+        <p:txBody>
+          <a:bodyPr wrap="none" rtlCol="0">
+            <a:spAutoFit/>
+          </a:bodyPr>
+          <a:lstStyle/>
+          <a:p>
+            <a:r>
+              <a:rPr lang="en-GB" dirty="0"/>
+              <a:t>EcoFlex 0010 </a:t>
+            </a:r>
+          </a:p>
+        </p:txBody>
+      </p:sp>
+      <p:sp>
+        <p:nvSpPr>
+          <p:cNvPr id="160" name="TextBox 159">
+            <a:extLst>
+              <a:ext uri="{FF2B5EF4-FFF2-40B4-BE49-F238E27FC236}">
+                <a16:creationId xmlns:a16="http://schemas.microsoft.com/office/drawing/2014/main" id="{988D24CE-6B5F-482F-A673-C81468C77613}"/>
+              </a:ext>
+            </a:extLst>
+          </p:cNvPr>
+          <p:cNvSpPr txBox="1"/>
+          <p:nvPr/>
+        </p:nvSpPr>
+        <p:spPr>
+          <a:xfrm>
+            <a:off x="2902669" y="5942096"/>
+            <a:ext cx="1455335" cy="369332"/>
+          </a:xfrm>
+          <a:prstGeom prst="rect">
+            <a:avLst/>
+          </a:prstGeom>
+          <a:noFill/>
+        </p:spPr>
+        <p:txBody>
+          <a:bodyPr wrap="none" rtlCol="0">
+            <a:spAutoFit/>
+          </a:bodyPr>
+          <a:lstStyle/>
+          <a:p>
+            <a:r>
+              <a:rPr lang="en-GB" dirty="0"/>
+              <a:t>EcoFlex 0050 </a:t>
+            </a:r>
+          </a:p>
+        </p:txBody>
+      </p:sp>
+      <p:sp>
+        <p:nvSpPr>
+          <p:cNvPr id="161" name="TextBox 160">
+            <a:extLst>
+              <a:ext uri="{FF2B5EF4-FFF2-40B4-BE49-F238E27FC236}">
+                <a16:creationId xmlns:a16="http://schemas.microsoft.com/office/drawing/2014/main" id="{46958422-6CD4-463C-9A55-F4686DCD91F6}"/>
+              </a:ext>
+            </a:extLst>
+          </p:cNvPr>
+          <p:cNvSpPr txBox="1"/>
+          <p:nvPr/>
+        </p:nvSpPr>
+        <p:spPr>
+          <a:xfrm>
+            <a:off x="6664558" y="5942096"/>
+            <a:ext cx="1455335" cy="369332"/>
+          </a:xfrm>
+          <a:prstGeom prst="rect">
+            <a:avLst/>
+          </a:prstGeom>
+          <a:noFill/>
+        </p:spPr>
+        <p:txBody>
+          <a:bodyPr wrap="none" rtlCol="0">
+            <a:spAutoFit/>
+          </a:bodyPr>
+          <a:lstStyle/>
+          <a:p>
+            <a:r>
+              <a:rPr lang="en-GB" dirty="0"/>
+              <a:t>EcoFlex 0050 </a:t>
+            </a:r>
+          </a:p>
+        </p:txBody>
+      </p:sp>
+      <p:sp>
+        <p:nvSpPr>
+          <p:cNvPr id="162" name="TextBox 161">
+            <a:extLst>
+              <a:ext uri="{FF2B5EF4-FFF2-40B4-BE49-F238E27FC236}">
+                <a16:creationId xmlns:a16="http://schemas.microsoft.com/office/drawing/2014/main" id="{BE0B9157-A2B0-49A3-A897-550CF62A6F00}"/>
+              </a:ext>
+            </a:extLst>
+          </p:cNvPr>
+          <p:cNvSpPr txBox="1"/>
+          <p:nvPr/>
+        </p:nvSpPr>
+        <p:spPr>
+          <a:xfrm>
+            <a:off x="1636810" y="383803"/>
+            <a:ext cx="290464" cy="369332"/>
+          </a:xfrm>
+          <a:prstGeom prst="rect">
+            <a:avLst/>
+          </a:prstGeom>
+          <a:noFill/>
+        </p:spPr>
+        <p:txBody>
+          <a:bodyPr wrap="none" rtlCol="0">
+            <a:spAutoFit/>
+          </a:bodyPr>
+          <a:lstStyle/>
+          <a:p>
+            <a:r>
+              <a:rPr lang="en-GB" dirty="0"/>
+              <a:t>i </a:t>
+            </a:r>
+          </a:p>
+        </p:txBody>
+      </p:sp>
     </p:spTree>
     <p:extLst>
       <p:ext uri="{BB962C8B-B14F-4D97-AF65-F5344CB8AC3E}">
         <p14:creationId xmlns:p14="http://schemas.microsoft.com/office/powerpoint/2010/main" val="4278219265"/>
+      </p:ext>
+    </p:extLst>
+  </p:cSld>
+  <p:clrMapOvr>
+    <a:masterClrMapping/>
+  </p:clrMapOvr>
+</p:sld>
+</file>
+
+<file path=ppt/slides/slide4.xml><?xml version="1.0" encoding="utf-8"?>
+<p:sld xmlns:a="http://schemas.openxmlformats.org/drawingml/2006/main" xmlns:r="http://schemas.openxmlformats.org/officeDocument/2006/relationships" xmlns:p="http://schemas.openxmlformats.org/presentationml/2006/main">
+  <p:cSld>
+    <p:spTree>
+      <p:nvGrpSpPr>
+        <p:cNvPr id="1" name=""/>
+        <p:cNvGrpSpPr/>
+        <p:nvPr/>
+      </p:nvGrpSpPr>
+      <p:grpSpPr>
+        <a:xfrm>
+          <a:off x="0" y="0"/>
+          <a:ext cx="0" cy="0"/>
+          <a:chOff x="0" y="0"/>
+          <a:chExt cx="0" cy="0"/>
+        </a:xfrm>
+      </p:grpSpPr>
+      <p:pic>
+        <p:nvPicPr>
+          <p:cNvPr id="5" name="Picture 4">
+            <a:extLst>
+              <a:ext uri="{FF2B5EF4-FFF2-40B4-BE49-F238E27FC236}">
+                <a16:creationId xmlns:a16="http://schemas.microsoft.com/office/drawing/2014/main" id="{854E3152-512C-43B6-819C-04F8102F7412}"/>
+              </a:ext>
+            </a:extLst>
+          </p:cNvPr>
+          <p:cNvPicPr>
+            <a:picLocks noChangeAspect="1"/>
+          </p:cNvPicPr>
+          <p:nvPr/>
+        </p:nvPicPr>
+        <p:blipFill>
+          <a:blip r:embed="rId2"/>
+          <a:stretch>
+            <a:fillRect/>
+          </a:stretch>
+        </p:blipFill>
+        <p:spPr>
+          <a:xfrm>
+            <a:off x="1272219" y="1266093"/>
+            <a:ext cx="9647562" cy="4673038"/>
+          </a:xfrm>
+          <a:prstGeom prst="rect">
+            <a:avLst/>
+          </a:prstGeom>
+        </p:spPr>
+      </p:pic>
+      <p:pic>
+        <p:nvPicPr>
+          <p:cNvPr id="4" name="Picture 3">
+            <a:extLst>
+              <a:ext uri="{FF2B5EF4-FFF2-40B4-BE49-F238E27FC236}">
+                <a16:creationId xmlns:a16="http://schemas.microsoft.com/office/drawing/2014/main" id="{BD6FB61A-CE62-4C0F-A8A3-00B544A01E9D}"/>
+              </a:ext>
+            </a:extLst>
+          </p:cNvPr>
+          <p:cNvPicPr>
+            <a:picLocks noChangeAspect="1"/>
+          </p:cNvPicPr>
+          <p:nvPr/>
+        </p:nvPicPr>
+        <p:blipFill>
+          <a:blip r:embed="rId3"/>
+          <a:stretch>
+            <a:fillRect/>
+          </a:stretch>
+        </p:blipFill>
+        <p:spPr>
+          <a:xfrm>
+            <a:off x="7737845" y="4778114"/>
+            <a:ext cx="3181936" cy="586146"/>
+          </a:xfrm>
+          <a:prstGeom prst="rect">
+            <a:avLst/>
+          </a:prstGeom>
+        </p:spPr>
+      </p:pic>
+      <p:sp>
+        <p:nvSpPr>
+          <p:cNvPr id="6" name="TextBox 5">
+            <a:extLst>
+              <a:ext uri="{FF2B5EF4-FFF2-40B4-BE49-F238E27FC236}">
+                <a16:creationId xmlns:a16="http://schemas.microsoft.com/office/drawing/2014/main" id="{3FD5DAAB-1BB9-48B9-B1BD-6EF8997B9D1F}"/>
+              </a:ext>
+            </a:extLst>
+          </p:cNvPr>
+          <p:cNvSpPr txBox="1"/>
+          <p:nvPr/>
+        </p:nvSpPr>
+        <p:spPr>
+          <a:xfrm>
+            <a:off x="2672862" y="918869"/>
+            <a:ext cx="2267608" cy="369332"/>
+          </a:xfrm>
+          <a:prstGeom prst="rect">
+            <a:avLst/>
+          </a:prstGeom>
+          <a:noFill/>
+        </p:spPr>
+        <p:txBody>
+          <a:bodyPr wrap="none" rtlCol="0">
+            <a:spAutoFit/>
+          </a:bodyPr>
+          <a:lstStyle/>
+          <a:p>
+            <a:r>
+              <a:rPr lang="en-GB" u="sng" dirty="0"/>
+              <a:t>X-component of Force</a:t>
+            </a:r>
+          </a:p>
+        </p:txBody>
+      </p:sp>
+      <p:sp>
+        <p:nvSpPr>
+          <p:cNvPr id="7" name="TextBox 6">
+            <a:extLst>
+              <a:ext uri="{FF2B5EF4-FFF2-40B4-BE49-F238E27FC236}">
+                <a16:creationId xmlns:a16="http://schemas.microsoft.com/office/drawing/2014/main" id="{60C0BD1B-2545-4C70-803E-5F31832173DB}"/>
+              </a:ext>
+            </a:extLst>
+          </p:cNvPr>
+          <p:cNvSpPr txBox="1"/>
+          <p:nvPr/>
+        </p:nvSpPr>
+        <p:spPr>
+          <a:xfrm>
+            <a:off x="7737845" y="918869"/>
+            <a:ext cx="2267608" cy="369332"/>
+          </a:xfrm>
+          <a:prstGeom prst="rect">
+            <a:avLst/>
+          </a:prstGeom>
+          <a:noFill/>
+        </p:spPr>
+        <p:txBody>
+          <a:bodyPr wrap="none" rtlCol="0">
+            <a:spAutoFit/>
+          </a:bodyPr>
+          <a:lstStyle/>
+          <a:p>
+            <a:r>
+              <a:rPr lang="en-GB" u="sng" dirty="0"/>
+              <a:t>Y-component of Force</a:t>
+            </a:r>
+          </a:p>
+        </p:txBody>
+      </p:sp>
+    </p:spTree>
+    <p:extLst>
+      <p:ext uri="{BB962C8B-B14F-4D97-AF65-F5344CB8AC3E}">
+        <p14:creationId xmlns:p14="http://schemas.microsoft.com/office/powerpoint/2010/main" val="3817663338"/>
+      </p:ext>
+    </p:extLst>
+  </p:cSld>
+  <p:clrMapOvr>
+    <a:masterClrMapping/>
+  </p:clrMapOvr>
+</p:sld>
+</file>
+
+<file path=ppt/slides/slide5.xml><?xml version="1.0" encoding="utf-8"?>
+<p:sld xmlns:a="http://schemas.openxmlformats.org/drawingml/2006/main" xmlns:r="http://schemas.openxmlformats.org/officeDocument/2006/relationships" xmlns:p="http://schemas.openxmlformats.org/presentationml/2006/main">
+  <p:cSld>
+    <p:spTree>
+      <p:nvGrpSpPr>
+        <p:cNvPr id="1" name=""/>
+        <p:cNvGrpSpPr/>
+        <p:nvPr/>
+      </p:nvGrpSpPr>
+      <p:grpSpPr>
+        <a:xfrm>
+          <a:off x="0" y="0"/>
+          <a:ext cx="0" cy="0"/>
+          <a:chOff x="0" y="0"/>
+          <a:chExt cx="0" cy="0"/>
+        </a:xfrm>
+      </p:grpSpPr>
+      <p:grpSp>
+        <p:nvGrpSpPr>
+          <p:cNvPr id="21" name="Group 20">
+            <a:extLst>
+              <a:ext uri="{FF2B5EF4-FFF2-40B4-BE49-F238E27FC236}">
+                <a16:creationId xmlns:a16="http://schemas.microsoft.com/office/drawing/2014/main" id="{397867DF-5234-4D5B-BA7E-B6E68C29587F}"/>
+              </a:ext>
+            </a:extLst>
+          </p:cNvPr>
+          <p:cNvGrpSpPr/>
+          <p:nvPr/>
+        </p:nvGrpSpPr>
+        <p:grpSpPr>
+          <a:xfrm>
+            <a:off x="3932944" y="1389931"/>
+            <a:ext cx="5301759" cy="3408099"/>
+            <a:chOff x="3932944" y="1389931"/>
+            <a:chExt cx="5301759" cy="3408099"/>
+          </a:xfrm>
+        </p:grpSpPr>
+        <p:sp>
+          <p:nvSpPr>
+            <p:cNvPr id="33" name="Oval 32">
+              <a:extLst>
+                <a:ext uri="{FF2B5EF4-FFF2-40B4-BE49-F238E27FC236}">
+                  <a16:creationId xmlns:a16="http://schemas.microsoft.com/office/drawing/2014/main" id="{10098FE5-EC4C-4532-99BB-9F7C2D1F5C6C}"/>
+                </a:ext>
+              </a:extLst>
+            </p:cNvPr>
+            <p:cNvSpPr/>
+            <p:nvPr/>
+          </p:nvSpPr>
+          <p:spPr>
+            <a:xfrm flipH="1">
+              <a:off x="4022099" y="2257330"/>
+              <a:ext cx="1727684" cy="1670039"/>
+            </a:xfrm>
+            <a:prstGeom prst="ellipse">
+              <a:avLst/>
+            </a:prstGeom>
+            <a:solidFill>
+              <a:schemeClr val="bg2">
+                <a:lumMod val="75000"/>
+              </a:schemeClr>
+            </a:solidFill>
+            <a:ln>
+              <a:solidFill>
+                <a:schemeClr val="tx1"/>
+              </a:solidFill>
+            </a:ln>
+          </p:spPr>
+          <p:style>
+            <a:lnRef idx="2">
+              <a:schemeClr val="accent1">
+                <a:shade val="50000"/>
+              </a:schemeClr>
+            </a:lnRef>
+            <a:fillRef idx="1">
+              <a:schemeClr val="accent1"/>
+            </a:fillRef>
+            <a:effectRef idx="0">
+              <a:schemeClr val="accent1"/>
+            </a:effectRef>
+            <a:fontRef idx="minor">
+              <a:schemeClr val="lt1"/>
+            </a:fontRef>
+          </p:style>
+          <p:txBody>
+            <a:bodyPr rtlCol="0" anchor="ctr"/>
+            <a:lstStyle/>
+            <a:p>
+              <a:pPr algn="ctr"/>
+              <a:endParaRPr lang="en-GB" sz="1155" dirty="0"/>
+            </a:p>
+          </p:txBody>
+        </p:sp>
+        <p:sp>
+          <p:nvSpPr>
+            <p:cNvPr id="35" name="Oval 34">
+              <a:extLst>
+                <a:ext uri="{FF2B5EF4-FFF2-40B4-BE49-F238E27FC236}">
+                  <a16:creationId xmlns:a16="http://schemas.microsoft.com/office/drawing/2014/main" id="{520E870A-B68E-4868-8EA9-ABBD49EF8A30}"/>
+                </a:ext>
+              </a:extLst>
+            </p:cNvPr>
+            <p:cNvSpPr/>
+            <p:nvPr/>
+          </p:nvSpPr>
+          <p:spPr>
+            <a:xfrm>
+              <a:off x="4132861" y="2381340"/>
+              <a:ext cx="1506161" cy="1422020"/>
+            </a:xfrm>
+            <a:prstGeom prst="ellipse">
+              <a:avLst/>
+            </a:prstGeom>
+            <a:solidFill>
+              <a:schemeClr val="accent6">
+                <a:lumMod val="60000"/>
+                <a:lumOff val="40000"/>
+              </a:schemeClr>
+            </a:solidFill>
+            <a:ln>
+              <a:solidFill>
+                <a:schemeClr val="tx1"/>
+              </a:solidFill>
+            </a:ln>
+          </p:spPr>
+          <p:style>
+            <a:lnRef idx="2">
+              <a:schemeClr val="accent1">
+                <a:shade val="50000"/>
+              </a:schemeClr>
+            </a:lnRef>
+            <a:fillRef idx="1">
+              <a:schemeClr val="accent1"/>
+            </a:fillRef>
+            <a:effectRef idx="0">
+              <a:schemeClr val="accent1"/>
+            </a:effectRef>
+            <a:fontRef idx="minor">
+              <a:schemeClr val="lt1"/>
+            </a:fontRef>
+          </p:style>
+          <p:txBody>
+            <a:bodyPr rtlCol="0" anchor="ctr"/>
+            <a:lstStyle/>
+            <a:p>
+              <a:pPr algn="ctr"/>
+              <a:endParaRPr lang="en-GB" sz="1155"/>
+            </a:p>
+          </p:txBody>
+        </p:sp>
+        <p:grpSp>
+          <p:nvGrpSpPr>
+            <p:cNvPr id="37" name="Group 36">
+              <a:extLst>
+                <a:ext uri="{FF2B5EF4-FFF2-40B4-BE49-F238E27FC236}">
+                  <a16:creationId xmlns:a16="http://schemas.microsoft.com/office/drawing/2014/main" id="{49CAE405-41C0-4E5D-9E3D-E2B32E025914}"/>
+                </a:ext>
+              </a:extLst>
+            </p:cNvPr>
+            <p:cNvGrpSpPr/>
+            <p:nvPr/>
+          </p:nvGrpSpPr>
+          <p:grpSpPr>
+            <a:xfrm>
+              <a:off x="4444231" y="2648938"/>
+              <a:ext cx="895523" cy="886823"/>
+              <a:chOff x="5393634" y="2744856"/>
+              <a:chExt cx="1404731" cy="1368287"/>
+            </a:xfrm>
+          </p:grpSpPr>
+          <p:sp>
+            <p:nvSpPr>
+              <p:cNvPr id="38" name="Oval 37">
+                <a:extLst>
+                  <a:ext uri="{FF2B5EF4-FFF2-40B4-BE49-F238E27FC236}">
+                    <a16:creationId xmlns:a16="http://schemas.microsoft.com/office/drawing/2014/main" id="{066EC8D9-842C-4A6E-951C-2930C729D9A5}"/>
+                  </a:ext>
+                </a:extLst>
+              </p:cNvPr>
+              <p:cNvSpPr/>
+              <p:nvPr/>
+            </p:nvSpPr>
+            <p:spPr>
+              <a:xfrm>
+                <a:off x="5393634" y="2744856"/>
+                <a:ext cx="1404731" cy="1368287"/>
+              </a:xfrm>
+              <a:prstGeom prst="ellipse">
+                <a:avLst/>
+              </a:prstGeom>
+              <a:solidFill>
+                <a:schemeClr val="accent3"/>
+              </a:solidFill>
+              <a:ln>
+                <a:solidFill>
+                  <a:schemeClr val="tx1"/>
+                </a:solidFill>
+              </a:ln>
+            </p:spPr>
+            <p:style>
+              <a:lnRef idx="2">
+                <a:schemeClr val="accent1">
+                  <a:shade val="50000"/>
+                </a:schemeClr>
+              </a:lnRef>
+              <a:fillRef idx="1">
+                <a:schemeClr val="accent1"/>
+              </a:fillRef>
+              <a:effectRef idx="0">
+                <a:schemeClr val="accent1"/>
+              </a:effectRef>
+              <a:fontRef idx="minor">
+                <a:schemeClr val="lt1"/>
+              </a:fontRef>
+            </p:style>
+            <p:txBody>
+              <a:bodyPr rtlCol="0" anchor="ctr"/>
+              <a:lstStyle/>
+              <a:p>
+                <a:pPr algn="ctr"/>
+                <a:endParaRPr lang="en-GB" sz="1155"/>
+              </a:p>
+            </p:txBody>
+          </p:sp>
+          <p:sp>
+            <p:nvSpPr>
+              <p:cNvPr id="44" name="Oval 43">
+                <a:extLst>
+                  <a:ext uri="{FF2B5EF4-FFF2-40B4-BE49-F238E27FC236}">
+                    <a16:creationId xmlns:a16="http://schemas.microsoft.com/office/drawing/2014/main" id="{7288D77F-0ECE-4D19-9BCC-BE8FA7C7889B}"/>
+                  </a:ext>
+                </a:extLst>
+              </p:cNvPr>
+              <p:cNvSpPr/>
+              <p:nvPr/>
+            </p:nvSpPr>
+            <p:spPr>
+              <a:xfrm>
+                <a:off x="5638799" y="2985051"/>
+                <a:ext cx="914400" cy="887896"/>
+              </a:xfrm>
+              <a:prstGeom prst="ellipse">
+                <a:avLst/>
+              </a:prstGeom>
+              <a:solidFill>
+                <a:schemeClr val="bg1"/>
+              </a:solidFill>
+              <a:ln>
+                <a:solidFill>
+                  <a:schemeClr val="tx1"/>
+                </a:solidFill>
+              </a:ln>
+            </p:spPr>
+            <p:style>
+              <a:lnRef idx="2">
+                <a:schemeClr val="accent1">
+                  <a:shade val="50000"/>
+                </a:schemeClr>
+              </a:lnRef>
+              <a:fillRef idx="1">
+                <a:schemeClr val="accent1"/>
+              </a:fillRef>
+              <a:effectRef idx="0">
+                <a:schemeClr val="accent1"/>
+              </a:effectRef>
+              <a:fontRef idx="minor">
+                <a:schemeClr val="lt1"/>
+              </a:fontRef>
+            </p:style>
+            <p:txBody>
+              <a:bodyPr rtlCol="0" anchor="ctr"/>
+              <a:lstStyle/>
+              <a:p>
+                <a:pPr algn="ctr"/>
+                <a:endParaRPr lang="en-GB" sz="1155"/>
+              </a:p>
+            </p:txBody>
+          </p:sp>
+        </p:grpSp>
+        <p:sp>
+          <p:nvSpPr>
+            <p:cNvPr id="46" name="Rectangle 45">
+              <a:extLst>
+                <a:ext uri="{FF2B5EF4-FFF2-40B4-BE49-F238E27FC236}">
+                  <a16:creationId xmlns:a16="http://schemas.microsoft.com/office/drawing/2014/main" id="{B0177B0C-284A-43D2-A6CD-3115D8CBCE52}"/>
+                </a:ext>
+              </a:extLst>
+            </p:cNvPr>
+            <p:cNvSpPr/>
+            <p:nvPr/>
+          </p:nvSpPr>
+          <p:spPr>
+            <a:xfrm>
+              <a:off x="4584181" y="2252801"/>
+              <a:ext cx="632504" cy="89154"/>
+            </a:xfrm>
+            <a:prstGeom prst="rect">
+              <a:avLst/>
+            </a:prstGeom>
+            <a:solidFill>
+              <a:srgbClr val="FF0000"/>
+            </a:solidFill>
+            <a:ln>
+              <a:solidFill>
+                <a:schemeClr val="tx1"/>
+              </a:solidFill>
+            </a:ln>
+          </p:spPr>
+          <p:style>
+            <a:lnRef idx="2">
+              <a:schemeClr val="accent1">
+                <a:shade val="50000"/>
+              </a:schemeClr>
+            </a:lnRef>
+            <a:fillRef idx="1">
+              <a:schemeClr val="accent1"/>
+            </a:fillRef>
+            <a:effectRef idx="0">
+              <a:schemeClr val="accent1"/>
+            </a:effectRef>
+            <a:fontRef idx="minor">
+              <a:schemeClr val="lt1"/>
+            </a:fontRef>
+          </p:style>
+          <p:txBody>
+            <a:bodyPr rtlCol="0" anchor="ctr"/>
+            <a:lstStyle/>
+            <a:p>
+              <a:pPr algn="ctr"/>
+              <a:endParaRPr lang="en-GB" sz="1155" dirty="0"/>
+            </a:p>
+          </p:txBody>
+        </p:sp>
+        <p:sp>
+          <p:nvSpPr>
+            <p:cNvPr id="47" name="Rectangle 46">
+              <a:extLst>
+                <a:ext uri="{FF2B5EF4-FFF2-40B4-BE49-F238E27FC236}">
+                  <a16:creationId xmlns:a16="http://schemas.microsoft.com/office/drawing/2014/main" id="{5BA0183F-6DD7-476A-B156-C57F47F3DF0A}"/>
+                </a:ext>
+              </a:extLst>
+            </p:cNvPr>
+            <p:cNvSpPr/>
+            <p:nvPr/>
+          </p:nvSpPr>
+          <p:spPr>
+            <a:xfrm>
+              <a:off x="4584182" y="3887550"/>
+              <a:ext cx="632503" cy="79204"/>
+            </a:xfrm>
+            <a:prstGeom prst="rect">
+              <a:avLst/>
+            </a:prstGeom>
+            <a:solidFill>
+              <a:srgbClr val="FF0000"/>
+            </a:solidFill>
+            <a:ln>
+              <a:solidFill>
+                <a:schemeClr val="tx1"/>
+              </a:solidFill>
+            </a:ln>
+          </p:spPr>
+          <p:style>
+            <a:lnRef idx="2">
+              <a:schemeClr val="accent1">
+                <a:shade val="50000"/>
+              </a:schemeClr>
+            </a:lnRef>
+            <a:fillRef idx="1">
+              <a:schemeClr val="accent1"/>
+            </a:fillRef>
+            <a:effectRef idx="0">
+              <a:schemeClr val="accent1"/>
+            </a:effectRef>
+            <a:fontRef idx="minor">
+              <a:schemeClr val="lt1"/>
+            </a:fontRef>
+          </p:style>
+          <p:txBody>
+            <a:bodyPr rtlCol="0" anchor="ctr"/>
+            <a:lstStyle/>
+            <a:p>
+              <a:pPr algn="ctr"/>
+              <a:endParaRPr lang="en-GB" sz="1155"/>
+            </a:p>
+          </p:txBody>
+        </p:sp>
+        <p:sp>
+          <p:nvSpPr>
+            <p:cNvPr id="50" name="Rectangle 49">
+              <a:extLst>
+                <a:ext uri="{FF2B5EF4-FFF2-40B4-BE49-F238E27FC236}">
+                  <a16:creationId xmlns:a16="http://schemas.microsoft.com/office/drawing/2014/main" id="{8A671FEB-289A-428C-9C6C-1ED23B0CBA0E}"/>
+                </a:ext>
+              </a:extLst>
+            </p:cNvPr>
+            <p:cNvSpPr/>
+            <p:nvPr/>
+          </p:nvSpPr>
+          <p:spPr>
+            <a:xfrm rot="5400000">
+              <a:off x="5104538" y="3058346"/>
+              <a:ext cx="156294" cy="68002"/>
+            </a:xfrm>
+            <a:prstGeom prst="rect">
+              <a:avLst/>
+            </a:prstGeom>
+            <a:solidFill>
+              <a:schemeClr val="accent5">
+                <a:lumMod val="20000"/>
+                <a:lumOff val="80000"/>
+              </a:schemeClr>
+            </a:solidFill>
+            <a:ln>
+              <a:solidFill>
+                <a:schemeClr val="tx1"/>
+              </a:solidFill>
+            </a:ln>
+          </p:spPr>
+          <p:style>
+            <a:lnRef idx="2">
+              <a:schemeClr val="accent1">
+                <a:shade val="50000"/>
+              </a:schemeClr>
+            </a:lnRef>
+            <a:fillRef idx="1">
+              <a:schemeClr val="accent1"/>
+            </a:fillRef>
+            <a:effectRef idx="0">
+              <a:schemeClr val="accent1"/>
+            </a:effectRef>
+            <a:fontRef idx="minor">
+              <a:schemeClr val="lt1"/>
+            </a:fontRef>
+          </p:style>
+          <p:txBody>
+            <a:bodyPr rtlCol="0" anchor="ctr"/>
+            <a:lstStyle/>
+            <a:p>
+              <a:pPr algn="ctr"/>
+              <a:endParaRPr lang="en-GB" sz="1155"/>
+            </a:p>
+          </p:txBody>
+        </p:sp>
+        <p:sp>
+          <p:nvSpPr>
+            <p:cNvPr id="51" name="Rectangle 50">
+              <a:extLst>
+                <a:ext uri="{FF2B5EF4-FFF2-40B4-BE49-F238E27FC236}">
+                  <a16:creationId xmlns:a16="http://schemas.microsoft.com/office/drawing/2014/main" id="{B40EC479-F064-492B-A8F7-FB1566F8A44F}"/>
+                </a:ext>
+              </a:extLst>
+            </p:cNvPr>
+            <p:cNvSpPr/>
+            <p:nvPr/>
+          </p:nvSpPr>
+          <p:spPr>
+            <a:xfrm>
+              <a:off x="4805146" y="3312081"/>
+              <a:ext cx="156294" cy="68002"/>
+            </a:xfrm>
+            <a:prstGeom prst="rect">
+              <a:avLst/>
+            </a:prstGeom>
+            <a:solidFill>
+              <a:schemeClr val="accent5">
+                <a:lumMod val="20000"/>
+                <a:lumOff val="80000"/>
+              </a:schemeClr>
+            </a:solidFill>
+            <a:ln>
+              <a:solidFill>
+                <a:schemeClr val="tx1"/>
+              </a:solidFill>
+            </a:ln>
+          </p:spPr>
+          <p:style>
+            <a:lnRef idx="2">
+              <a:schemeClr val="accent1">
+                <a:shade val="50000"/>
+              </a:schemeClr>
+            </a:lnRef>
+            <a:fillRef idx="1">
+              <a:schemeClr val="accent1"/>
+            </a:fillRef>
+            <a:effectRef idx="0">
+              <a:schemeClr val="accent1"/>
+            </a:effectRef>
+            <a:fontRef idx="minor">
+              <a:schemeClr val="lt1"/>
+            </a:fontRef>
+          </p:style>
+          <p:txBody>
+            <a:bodyPr rtlCol="0" anchor="ctr"/>
+            <a:lstStyle/>
+            <a:p>
+              <a:pPr algn="ctr"/>
+              <a:endParaRPr lang="en-GB" sz="1155"/>
+            </a:p>
+          </p:txBody>
+        </p:sp>
+        <p:sp>
+          <p:nvSpPr>
+            <p:cNvPr id="61" name="Rectangle 60">
+              <a:extLst>
+                <a:ext uri="{FF2B5EF4-FFF2-40B4-BE49-F238E27FC236}">
+                  <a16:creationId xmlns:a16="http://schemas.microsoft.com/office/drawing/2014/main" id="{998902D7-E21E-4DC4-BAE7-8AEACD682C02}"/>
+                </a:ext>
+              </a:extLst>
+            </p:cNvPr>
+            <p:cNvSpPr/>
+            <p:nvPr/>
+          </p:nvSpPr>
+          <p:spPr>
+            <a:xfrm rot="5400000">
+              <a:off x="5425228" y="3055529"/>
+              <a:ext cx="560480" cy="88631"/>
+            </a:xfrm>
+            <a:prstGeom prst="rect">
+              <a:avLst/>
+            </a:prstGeom>
+            <a:solidFill>
+              <a:srgbClr val="FF0000"/>
+            </a:solidFill>
+            <a:ln>
+              <a:solidFill>
+                <a:schemeClr val="tx1"/>
+              </a:solidFill>
+            </a:ln>
+          </p:spPr>
+          <p:style>
+            <a:lnRef idx="2">
+              <a:schemeClr val="accent1">
+                <a:shade val="50000"/>
+              </a:schemeClr>
+            </a:lnRef>
+            <a:fillRef idx="1">
+              <a:schemeClr val="accent1"/>
+            </a:fillRef>
+            <a:effectRef idx="0">
+              <a:schemeClr val="accent1"/>
+            </a:effectRef>
+            <a:fontRef idx="minor">
+              <a:schemeClr val="lt1"/>
+            </a:fontRef>
+          </p:style>
+          <p:txBody>
+            <a:bodyPr rtlCol="0" anchor="ctr"/>
+            <a:lstStyle/>
+            <a:p>
+              <a:pPr algn="ctr"/>
+              <a:endParaRPr lang="en-GB" sz="1155"/>
+            </a:p>
+          </p:txBody>
+        </p:sp>
+        <p:sp>
+          <p:nvSpPr>
+            <p:cNvPr id="62" name="Rectangle 61">
+              <a:extLst>
+                <a:ext uri="{FF2B5EF4-FFF2-40B4-BE49-F238E27FC236}">
+                  <a16:creationId xmlns:a16="http://schemas.microsoft.com/office/drawing/2014/main" id="{AD03D822-FE46-4917-BA8F-7279F952BCF4}"/>
+                </a:ext>
+              </a:extLst>
+            </p:cNvPr>
+            <p:cNvSpPr/>
+            <p:nvPr/>
+          </p:nvSpPr>
+          <p:spPr>
+            <a:xfrm rot="5400000">
+              <a:off x="3754192" y="3046594"/>
+              <a:ext cx="594481" cy="72498"/>
+            </a:xfrm>
+            <a:prstGeom prst="rect">
+              <a:avLst/>
+            </a:prstGeom>
+            <a:solidFill>
+              <a:srgbClr val="FF0000"/>
+            </a:solidFill>
+            <a:ln>
+              <a:solidFill>
+                <a:schemeClr val="tx1"/>
+              </a:solidFill>
+            </a:ln>
+          </p:spPr>
+          <p:style>
+            <a:lnRef idx="2">
+              <a:schemeClr val="accent1">
+                <a:shade val="50000"/>
+              </a:schemeClr>
+            </a:lnRef>
+            <a:fillRef idx="1">
+              <a:schemeClr val="accent1"/>
+            </a:fillRef>
+            <a:effectRef idx="0">
+              <a:schemeClr val="accent1"/>
+            </a:effectRef>
+            <a:fontRef idx="minor">
+              <a:schemeClr val="lt1"/>
+            </a:fontRef>
+          </p:style>
+          <p:txBody>
+            <a:bodyPr rtlCol="0" anchor="ctr"/>
+            <a:lstStyle/>
+            <a:p>
+              <a:pPr algn="ctr"/>
+              <a:endParaRPr lang="en-GB" sz="1155"/>
+            </a:p>
+          </p:txBody>
+        </p:sp>
+        <p:sp>
+          <p:nvSpPr>
+            <p:cNvPr id="63" name="Rectangle 62">
+              <a:extLst>
+                <a:ext uri="{FF2B5EF4-FFF2-40B4-BE49-F238E27FC236}">
+                  <a16:creationId xmlns:a16="http://schemas.microsoft.com/office/drawing/2014/main" id="{BA271750-F164-4C22-BDB5-F5FA04BDC062}"/>
+                </a:ext>
+              </a:extLst>
+            </p:cNvPr>
+            <p:cNvSpPr/>
+            <p:nvPr/>
+          </p:nvSpPr>
+          <p:spPr>
+            <a:xfrm rot="5400000">
+              <a:off x="4540035" y="3058346"/>
+              <a:ext cx="156294" cy="68002"/>
+            </a:xfrm>
+            <a:prstGeom prst="rect">
+              <a:avLst/>
+            </a:prstGeom>
+            <a:solidFill>
+              <a:schemeClr val="accent5">
+                <a:lumMod val="20000"/>
+                <a:lumOff val="80000"/>
+              </a:schemeClr>
+            </a:solidFill>
+            <a:ln>
+              <a:solidFill>
+                <a:schemeClr val="tx1"/>
+              </a:solidFill>
+            </a:ln>
+          </p:spPr>
+          <p:style>
+            <a:lnRef idx="2">
+              <a:schemeClr val="accent1">
+                <a:shade val="50000"/>
+              </a:schemeClr>
+            </a:lnRef>
+            <a:fillRef idx="1">
+              <a:schemeClr val="accent1"/>
+            </a:fillRef>
+            <a:effectRef idx="0">
+              <a:schemeClr val="accent1"/>
+            </a:effectRef>
+            <a:fontRef idx="minor">
+              <a:schemeClr val="lt1"/>
+            </a:fontRef>
+          </p:style>
+          <p:txBody>
+            <a:bodyPr rtlCol="0" anchor="ctr"/>
+            <a:lstStyle/>
+            <a:p>
+              <a:pPr algn="ctr"/>
+              <a:endParaRPr lang="en-GB" sz="1155"/>
+            </a:p>
+          </p:txBody>
+        </p:sp>
+        <p:sp>
+          <p:nvSpPr>
+            <p:cNvPr id="64" name="Rectangle 63">
+              <a:extLst>
+                <a:ext uri="{FF2B5EF4-FFF2-40B4-BE49-F238E27FC236}">
+                  <a16:creationId xmlns:a16="http://schemas.microsoft.com/office/drawing/2014/main" id="{3767C097-020D-425E-A4C5-DBF3879233CF}"/>
+                </a:ext>
+              </a:extLst>
+            </p:cNvPr>
+            <p:cNvSpPr/>
+            <p:nvPr/>
+          </p:nvSpPr>
+          <p:spPr>
+            <a:xfrm>
+              <a:off x="4813844" y="2785602"/>
+              <a:ext cx="156294" cy="68002"/>
+            </a:xfrm>
+            <a:prstGeom prst="rect">
+              <a:avLst/>
+            </a:prstGeom>
+            <a:solidFill>
+              <a:schemeClr val="accent5">
+                <a:lumMod val="20000"/>
+                <a:lumOff val="80000"/>
+              </a:schemeClr>
+            </a:solidFill>
+            <a:ln>
+              <a:solidFill>
+                <a:schemeClr val="tx1"/>
+              </a:solidFill>
+            </a:ln>
+          </p:spPr>
+          <p:style>
+            <a:lnRef idx="2">
+              <a:schemeClr val="accent1">
+                <a:shade val="50000"/>
+              </a:schemeClr>
+            </a:lnRef>
+            <a:fillRef idx="1">
+              <a:schemeClr val="accent1"/>
+            </a:fillRef>
+            <a:effectRef idx="0">
+              <a:schemeClr val="accent1"/>
+            </a:effectRef>
+            <a:fontRef idx="minor">
+              <a:schemeClr val="lt1"/>
+            </a:fontRef>
+          </p:style>
+          <p:txBody>
+            <a:bodyPr rtlCol="0" anchor="ctr"/>
+            <a:lstStyle/>
+            <a:p>
+              <a:pPr algn="ctr"/>
+              <a:endParaRPr lang="en-GB" sz="1155"/>
+            </a:p>
+          </p:txBody>
+        </p:sp>
+        <p:cxnSp>
+          <p:nvCxnSpPr>
+            <p:cNvPr id="11" name="Straight Arrow Connector 10">
+              <a:extLst>
+                <a:ext uri="{FF2B5EF4-FFF2-40B4-BE49-F238E27FC236}">
+                  <a16:creationId xmlns:a16="http://schemas.microsoft.com/office/drawing/2014/main" id="{9F9B3FAD-2FEF-4B27-AFD6-3B3F27BA9DCF}"/>
+                </a:ext>
+              </a:extLst>
+            </p:cNvPr>
+            <p:cNvCxnSpPr>
+              <a:cxnSpLocks/>
+            </p:cNvCxnSpPr>
+            <p:nvPr/>
+          </p:nvCxnSpPr>
+          <p:spPr>
+            <a:xfrm flipH="1" flipV="1">
+              <a:off x="5215696" y="3380085"/>
+              <a:ext cx="550430" cy="265624"/>
+            </a:xfrm>
+            <a:prstGeom prst="straightConnector1">
+              <a:avLst/>
+            </a:prstGeom>
+            <a:ln>
+              <a:tailEnd type="triangle"/>
+            </a:ln>
+          </p:spPr>
+          <p:style>
+            <a:lnRef idx="3">
+              <a:schemeClr val="dk1"/>
+            </a:lnRef>
+            <a:fillRef idx="0">
+              <a:schemeClr val="dk1"/>
+            </a:fillRef>
+            <a:effectRef idx="2">
+              <a:schemeClr val="dk1"/>
+            </a:effectRef>
+            <a:fontRef idx="minor">
+              <a:schemeClr val="tx1"/>
+            </a:fontRef>
+          </p:style>
+        </p:cxnSp>
+        <p:cxnSp>
+          <p:nvCxnSpPr>
+            <p:cNvPr id="77" name="Straight Arrow Connector 76">
+              <a:extLst>
+                <a:ext uri="{FF2B5EF4-FFF2-40B4-BE49-F238E27FC236}">
+                  <a16:creationId xmlns:a16="http://schemas.microsoft.com/office/drawing/2014/main" id="{8F6D1643-6718-4C54-A50B-E32804E55748}"/>
+                </a:ext>
+              </a:extLst>
+            </p:cNvPr>
+            <p:cNvCxnSpPr>
+              <a:cxnSpLocks/>
+            </p:cNvCxnSpPr>
+            <p:nvPr/>
+          </p:nvCxnSpPr>
+          <p:spPr>
+            <a:xfrm flipH="1">
+              <a:off x="5204714" y="2648934"/>
+              <a:ext cx="572910" cy="455439"/>
+            </a:xfrm>
+            <a:prstGeom prst="straightConnector1">
+              <a:avLst/>
+            </a:prstGeom>
+            <a:ln>
+              <a:tailEnd type="triangle"/>
+            </a:ln>
+          </p:spPr>
+          <p:style>
+            <a:lnRef idx="3">
+              <a:schemeClr val="dk1"/>
+            </a:lnRef>
+            <a:fillRef idx="0">
+              <a:schemeClr val="dk1"/>
+            </a:fillRef>
+            <a:effectRef idx="2">
+              <a:schemeClr val="dk1"/>
+            </a:effectRef>
+            <a:fontRef idx="minor">
+              <a:schemeClr val="tx1"/>
+            </a:fontRef>
+          </p:style>
+        </p:cxnSp>
+        <p:cxnSp>
+          <p:nvCxnSpPr>
+            <p:cNvPr id="83" name="Straight Connector 82">
+              <a:extLst>
+                <a:ext uri="{FF2B5EF4-FFF2-40B4-BE49-F238E27FC236}">
+                  <a16:creationId xmlns:a16="http://schemas.microsoft.com/office/drawing/2014/main" id="{DA17B491-DDF9-4273-8C13-2AF9C645F804}"/>
+                </a:ext>
+              </a:extLst>
+            </p:cNvPr>
+            <p:cNvCxnSpPr>
+              <a:cxnSpLocks/>
+              <a:endCxn id="98" idx="1"/>
+            </p:cNvCxnSpPr>
+            <p:nvPr/>
+          </p:nvCxnSpPr>
+          <p:spPr>
+            <a:xfrm>
+              <a:off x="5777623" y="2656656"/>
+              <a:ext cx="599404" cy="16587"/>
+            </a:xfrm>
+            <a:prstGeom prst="line">
+              <a:avLst/>
+            </a:prstGeom>
+          </p:spPr>
+          <p:style>
+            <a:lnRef idx="3">
+              <a:schemeClr val="dk1"/>
+            </a:lnRef>
+            <a:fillRef idx="0">
+              <a:schemeClr val="dk1"/>
+            </a:fillRef>
+            <a:effectRef idx="2">
+              <a:schemeClr val="dk1"/>
+            </a:effectRef>
+            <a:fontRef idx="minor">
+              <a:schemeClr val="tx1"/>
+            </a:fontRef>
+          </p:style>
+        </p:cxnSp>
+        <p:cxnSp>
+          <p:nvCxnSpPr>
+            <p:cNvPr id="88" name="Straight Connector 87">
+              <a:extLst>
+                <a:ext uri="{FF2B5EF4-FFF2-40B4-BE49-F238E27FC236}">
+                  <a16:creationId xmlns:a16="http://schemas.microsoft.com/office/drawing/2014/main" id="{7BAB2CE3-04A1-47AE-9AD4-5E8667CE3A50}"/>
+                </a:ext>
+              </a:extLst>
+            </p:cNvPr>
+            <p:cNvCxnSpPr>
+              <a:cxnSpLocks/>
+            </p:cNvCxnSpPr>
+            <p:nvPr/>
+          </p:nvCxnSpPr>
+          <p:spPr>
+            <a:xfrm>
+              <a:off x="5749783" y="3645708"/>
+              <a:ext cx="628592" cy="0"/>
+            </a:xfrm>
+            <a:prstGeom prst="line">
+              <a:avLst/>
+            </a:prstGeom>
+          </p:spPr>
+          <p:style>
+            <a:lnRef idx="3">
+              <a:schemeClr val="dk1"/>
+            </a:lnRef>
+            <a:fillRef idx="0">
+              <a:schemeClr val="dk1"/>
+            </a:fillRef>
+            <a:effectRef idx="2">
+              <a:schemeClr val="dk1"/>
+            </a:effectRef>
+            <a:fontRef idx="minor">
+              <a:schemeClr val="tx1"/>
+            </a:fontRef>
+          </p:style>
+        </p:cxnSp>
+        <p:cxnSp>
+          <p:nvCxnSpPr>
+            <p:cNvPr id="68" name="Straight Arrow Connector 67">
+              <a:extLst>
+                <a:ext uri="{FF2B5EF4-FFF2-40B4-BE49-F238E27FC236}">
+                  <a16:creationId xmlns:a16="http://schemas.microsoft.com/office/drawing/2014/main" id="{8B6FB43B-5B73-40F2-B248-CA352F3BF1DC}"/>
+                </a:ext>
+              </a:extLst>
+            </p:cNvPr>
+            <p:cNvCxnSpPr>
+              <a:cxnSpLocks/>
+              <a:stCxn id="105" idx="1"/>
+              <a:endCxn id="36" idx="0"/>
+            </p:cNvCxnSpPr>
+            <p:nvPr/>
+          </p:nvCxnSpPr>
+          <p:spPr>
+            <a:xfrm flipH="1" flipV="1">
+              <a:off x="5837956" y="3099845"/>
+              <a:ext cx="539070" cy="16417"/>
+            </a:xfrm>
+            <a:prstGeom prst="straightConnector1">
+              <a:avLst/>
+            </a:prstGeom>
+            <a:ln>
+              <a:tailEnd type="triangle"/>
+            </a:ln>
+          </p:spPr>
+          <p:style>
+            <a:lnRef idx="3">
+              <a:schemeClr val="dk1"/>
+            </a:lnRef>
+            <a:fillRef idx="0">
+              <a:schemeClr val="dk1"/>
+            </a:fillRef>
+            <a:effectRef idx="2">
+              <a:schemeClr val="dk1"/>
+            </a:effectRef>
+            <a:fontRef idx="minor">
+              <a:schemeClr val="tx1"/>
+            </a:fontRef>
+          </p:style>
+        </p:cxnSp>
+        <p:cxnSp>
+          <p:nvCxnSpPr>
+            <p:cNvPr id="94" name="Straight Arrow Connector 93">
+              <a:extLst>
+                <a:ext uri="{FF2B5EF4-FFF2-40B4-BE49-F238E27FC236}">
+                  <a16:creationId xmlns:a16="http://schemas.microsoft.com/office/drawing/2014/main" id="{5113757C-4421-406D-AFA5-24CB8B02E746}"/>
+                </a:ext>
+              </a:extLst>
+            </p:cNvPr>
+            <p:cNvCxnSpPr>
+              <a:cxnSpLocks/>
+            </p:cNvCxnSpPr>
+            <p:nvPr/>
+          </p:nvCxnSpPr>
+          <p:spPr>
+            <a:xfrm flipH="1">
+              <a:off x="5450571" y="2252801"/>
+              <a:ext cx="299212" cy="214359"/>
+            </a:xfrm>
+            <a:prstGeom prst="straightConnector1">
+              <a:avLst/>
+            </a:prstGeom>
+            <a:ln>
+              <a:tailEnd type="triangle"/>
+            </a:ln>
+          </p:spPr>
+          <p:style>
+            <a:lnRef idx="3">
+              <a:schemeClr val="dk1"/>
+            </a:lnRef>
+            <a:fillRef idx="0">
+              <a:schemeClr val="dk1"/>
+            </a:fillRef>
+            <a:effectRef idx="2">
+              <a:schemeClr val="dk1"/>
+            </a:effectRef>
+            <a:fontRef idx="minor">
+              <a:schemeClr val="tx1"/>
+            </a:fontRef>
+          </p:style>
+        </p:cxnSp>
+        <p:cxnSp>
+          <p:nvCxnSpPr>
+            <p:cNvPr id="96" name="Straight Connector 95">
+              <a:extLst>
+                <a:ext uri="{FF2B5EF4-FFF2-40B4-BE49-F238E27FC236}">
+                  <a16:creationId xmlns:a16="http://schemas.microsoft.com/office/drawing/2014/main" id="{7DDD31C2-ACBE-4354-8CFF-E73466467753}"/>
+                </a:ext>
+              </a:extLst>
+            </p:cNvPr>
+            <p:cNvCxnSpPr>
+              <a:cxnSpLocks/>
+              <a:endCxn id="97" idx="1"/>
+            </p:cNvCxnSpPr>
+            <p:nvPr/>
+          </p:nvCxnSpPr>
+          <p:spPr>
+            <a:xfrm>
+              <a:off x="5749783" y="2252801"/>
+              <a:ext cx="627244" cy="15937"/>
+            </a:xfrm>
+            <a:prstGeom prst="line">
+              <a:avLst/>
+            </a:prstGeom>
+          </p:spPr>
+          <p:style>
+            <a:lnRef idx="3">
+              <a:schemeClr val="dk1"/>
+            </a:lnRef>
+            <a:fillRef idx="0">
+              <a:schemeClr val="dk1"/>
+            </a:fillRef>
+            <a:effectRef idx="2">
+              <a:schemeClr val="dk1"/>
+            </a:effectRef>
+            <a:fontRef idx="minor">
+              <a:schemeClr val="tx1"/>
+            </a:fontRef>
+          </p:style>
+        </p:cxnSp>
+        <p:sp>
+          <p:nvSpPr>
+            <p:cNvPr id="97" name="TextBox 96">
+              <a:extLst>
+                <a:ext uri="{FF2B5EF4-FFF2-40B4-BE49-F238E27FC236}">
+                  <a16:creationId xmlns:a16="http://schemas.microsoft.com/office/drawing/2014/main" id="{92FC42AD-1864-4F67-8C92-3FCD7BD8A142}"/>
+                </a:ext>
+              </a:extLst>
+            </p:cNvPr>
+            <p:cNvSpPr txBox="1"/>
+            <p:nvPr/>
+          </p:nvSpPr>
+          <p:spPr>
+            <a:xfrm>
+              <a:off x="6377027" y="2133701"/>
+              <a:ext cx="1180131" cy="270074"/>
+            </a:xfrm>
+            <a:prstGeom prst="rect">
+              <a:avLst/>
+            </a:prstGeom>
+            <a:noFill/>
+          </p:spPr>
+          <p:txBody>
+            <a:bodyPr wrap="none" rtlCol="0">
+              <a:spAutoFit/>
+            </a:bodyPr>
+            <a:lstStyle/>
+            <a:p>
+              <a:r>
+                <a:rPr lang="en-GB" sz="1155" dirty="0"/>
+                <a:t>Rigid Outer Core</a:t>
+              </a:r>
+            </a:p>
+          </p:txBody>
+        </p:sp>
+        <p:sp>
+          <p:nvSpPr>
+            <p:cNvPr id="98" name="TextBox 97">
+              <a:extLst>
+                <a:ext uri="{FF2B5EF4-FFF2-40B4-BE49-F238E27FC236}">
+                  <a16:creationId xmlns:a16="http://schemas.microsoft.com/office/drawing/2014/main" id="{1A9E124B-F7E4-4962-8735-105AC714B7B7}"/>
+                </a:ext>
+              </a:extLst>
+            </p:cNvPr>
+            <p:cNvSpPr txBox="1"/>
+            <p:nvPr/>
+          </p:nvSpPr>
+          <p:spPr>
+            <a:xfrm>
+              <a:off x="6377027" y="2538206"/>
+              <a:ext cx="1295547" cy="270074"/>
+            </a:xfrm>
+            <a:prstGeom prst="rect">
+              <a:avLst/>
+            </a:prstGeom>
+            <a:noFill/>
+          </p:spPr>
+          <p:txBody>
+            <a:bodyPr wrap="none" rtlCol="0">
+              <a:spAutoFit/>
+            </a:bodyPr>
+            <a:lstStyle/>
+            <a:p>
+              <a:r>
+                <a:rPr lang="en-GB" sz="1155" dirty="0"/>
+                <a:t>Hall Effects Sensor</a:t>
+              </a:r>
+            </a:p>
+          </p:txBody>
+        </p:sp>
+        <p:sp>
+          <p:nvSpPr>
+            <p:cNvPr id="105" name="TextBox 104">
+              <a:extLst>
+                <a:ext uri="{FF2B5EF4-FFF2-40B4-BE49-F238E27FC236}">
+                  <a16:creationId xmlns:a16="http://schemas.microsoft.com/office/drawing/2014/main" id="{5CA91945-10CA-4C93-BA8C-DCBE08D0F1F8}"/>
+                </a:ext>
+              </a:extLst>
+            </p:cNvPr>
+            <p:cNvSpPr txBox="1"/>
+            <p:nvPr/>
+          </p:nvSpPr>
+          <p:spPr>
+            <a:xfrm>
+              <a:off x="6377026" y="2981225"/>
+              <a:ext cx="1430200" cy="270074"/>
+            </a:xfrm>
+            <a:prstGeom prst="rect">
+              <a:avLst/>
+            </a:prstGeom>
+            <a:noFill/>
+          </p:spPr>
+          <p:txBody>
+            <a:bodyPr wrap="none" rtlCol="0">
+              <a:spAutoFit/>
+            </a:bodyPr>
+            <a:lstStyle/>
+            <a:p>
+              <a:r>
+                <a:rPr lang="en-GB" sz="1155" dirty="0"/>
+                <a:t>Neodymium Magnet</a:t>
+              </a:r>
+            </a:p>
+          </p:txBody>
+        </p:sp>
+        <p:sp>
+          <p:nvSpPr>
+            <p:cNvPr id="108" name="TextBox 107">
+              <a:extLst>
+                <a:ext uri="{FF2B5EF4-FFF2-40B4-BE49-F238E27FC236}">
+                  <a16:creationId xmlns:a16="http://schemas.microsoft.com/office/drawing/2014/main" id="{ECEEE0EF-32D6-4CDF-975F-7E40420BBB3E}"/>
+                </a:ext>
+              </a:extLst>
+            </p:cNvPr>
+            <p:cNvSpPr txBox="1"/>
+            <p:nvPr/>
+          </p:nvSpPr>
+          <p:spPr>
+            <a:xfrm>
+              <a:off x="6377027" y="3516794"/>
+              <a:ext cx="1148071" cy="270074"/>
+            </a:xfrm>
+            <a:prstGeom prst="rect">
+              <a:avLst/>
+            </a:prstGeom>
+            <a:noFill/>
+          </p:spPr>
+          <p:txBody>
+            <a:bodyPr wrap="none" rtlCol="0">
+              <a:spAutoFit/>
+            </a:bodyPr>
+            <a:lstStyle/>
+            <a:p>
+              <a:r>
+                <a:rPr lang="en-GB" sz="1155" dirty="0"/>
+                <a:t>Rigid Inner Core</a:t>
+              </a:r>
+            </a:p>
+          </p:txBody>
+        </p:sp>
+        <p:cxnSp>
+          <p:nvCxnSpPr>
+            <p:cNvPr id="109" name="Straight Arrow Connector 108">
+              <a:extLst>
+                <a:ext uri="{FF2B5EF4-FFF2-40B4-BE49-F238E27FC236}">
+                  <a16:creationId xmlns:a16="http://schemas.microsoft.com/office/drawing/2014/main" id="{76B92DBE-F0E5-4DBD-A6D9-2062853CF409}"/>
+                </a:ext>
+              </a:extLst>
+            </p:cNvPr>
+            <p:cNvCxnSpPr>
+              <a:cxnSpLocks/>
+            </p:cNvCxnSpPr>
+            <p:nvPr/>
+          </p:nvCxnSpPr>
+          <p:spPr>
+            <a:xfrm flipH="1" flipV="1">
+              <a:off x="5160316" y="3673616"/>
+              <a:ext cx="589467" cy="332384"/>
+            </a:xfrm>
+            <a:prstGeom prst="straightConnector1">
+              <a:avLst/>
+            </a:prstGeom>
+            <a:ln>
+              <a:tailEnd type="triangle"/>
+            </a:ln>
+          </p:spPr>
+          <p:style>
+            <a:lnRef idx="3">
+              <a:schemeClr val="dk1"/>
+            </a:lnRef>
+            <a:fillRef idx="0">
+              <a:schemeClr val="dk1"/>
+            </a:fillRef>
+            <a:effectRef idx="2">
+              <a:schemeClr val="dk1"/>
+            </a:effectRef>
+            <a:fontRef idx="minor">
+              <a:schemeClr val="tx1"/>
+            </a:fontRef>
+          </p:style>
+        </p:cxnSp>
+        <p:sp>
+          <p:nvSpPr>
+            <p:cNvPr id="115" name="TextBox 114">
+              <a:extLst>
+                <a:ext uri="{FF2B5EF4-FFF2-40B4-BE49-F238E27FC236}">
+                  <a16:creationId xmlns:a16="http://schemas.microsoft.com/office/drawing/2014/main" id="{C1585805-0993-4055-A41A-DB9E4D1732D6}"/>
+                </a:ext>
+              </a:extLst>
+            </p:cNvPr>
+            <p:cNvSpPr txBox="1"/>
+            <p:nvPr/>
+          </p:nvSpPr>
+          <p:spPr>
+            <a:xfrm>
+              <a:off x="6377027" y="3887551"/>
+              <a:ext cx="1425390" cy="270074"/>
+            </a:xfrm>
+            <a:prstGeom prst="rect">
+              <a:avLst/>
+            </a:prstGeom>
+            <a:noFill/>
+          </p:spPr>
+          <p:txBody>
+            <a:bodyPr wrap="none" rtlCol="0">
+              <a:spAutoFit/>
+            </a:bodyPr>
+            <a:lstStyle/>
+            <a:p>
+              <a:r>
+                <a:rPr lang="en-GB" sz="1155" dirty="0"/>
+                <a:t>Hyperelastic Silicone</a:t>
+              </a:r>
+            </a:p>
+          </p:txBody>
+        </p:sp>
+        <p:cxnSp>
+          <p:nvCxnSpPr>
+            <p:cNvPr id="117" name="Straight Connector 116">
+              <a:extLst>
+                <a:ext uri="{FF2B5EF4-FFF2-40B4-BE49-F238E27FC236}">
+                  <a16:creationId xmlns:a16="http://schemas.microsoft.com/office/drawing/2014/main" id="{40E96541-3563-4820-8D56-B8033E1A1917}"/>
+                </a:ext>
+              </a:extLst>
+            </p:cNvPr>
+            <p:cNvCxnSpPr>
+              <a:stCxn id="115" idx="1"/>
+            </p:cNvCxnSpPr>
+            <p:nvPr/>
+          </p:nvCxnSpPr>
+          <p:spPr>
+            <a:xfrm flipH="1" flipV="1">
+              <a:off x="5749784" y="4006000"/>
+              <a:ext cx="627243" cy="16588"/>
+            </a:xfrm>
+            <a:prstGeom prst="line">
+              <a:avLst/>
+            </a:prstGeom>
+          </p:spPr>
+          <p:style>
+            <a:lnRef idx="3">
+              <a:schemeClr val="dk1"/>
+            </a:lnRef>
+            <a:fillRef idx="0">
+              <a:schemeClr val="dk1"/>
+            </a:fillRef>
+            <a:effectRef idx="2">
+              <a:schemeClr val="dk1"/>
+            </a:effectRef>
+            <a:fontRef idx="minor">
+              <a:schemeClr val="tx1"/>
+            </a:fontRef>
+          </p:style>
+        </p:cxnSp>
+        <p:sp>
+          <p:nvSpPr>
+            <p:cNvPr id="31" name="Rectangle 30">
+              <a:extLst>
+                <a:ext uri="{FF2B5EF4-FFF2-40B4-BE49-F238E27FC236}">
+                  <a16:creationId xmlns:a16="http://schemas.microsoft.com/office/drawing/2014/main" id="{4627411B-4CC1-4397-910E-9B82D477BF52}"/>
+                </a:ext>
+              </a:extLst>
+            </p:cNvPr>
+            <p:cNvSpPr/>
+            <p:nvPr/>
+          </p:nvSpPr>
+          <p:spPr>
+            <a:xfrm>
+              <a:off x="4584181" y="2164241"/>
+              <a:ext cx="632504" cy="89154"/>
+            </a:xfrm>
+            <a:prstGeom prst="rect">
+              <a:avLst/>
+            </a:prstGeom>
+            <a:ln>
+              <a:solidFill>
+                <a:schemeClr val="tx1"/>
+              </a:solidFill>
+            </a:ln>
+          </p:spPr>
+          <p:style>
+            <a:lnRef idx="2">
+              <a:schemeClr val="accent1">
+                <a:shade val="50000"/>
+              </a:schemeClr>
+            </a:lnRef>
+            <a:fillRef idx="1">
+              <a:schemeClr val="accent1"/>
+            </a:fillRef>
+            <a:effectRef idx="0">
+              <a:schemeClr val="accent1"/>
+            </a:effectRef>
+            <a:fontRef idx="minor">
+              <a:schemeClr val="lt1"/>
+            </a:fontRef>
+          </p:style>
+          <p:txBody>
+            <a:bodyPr rtlCol="0" anchor="ctr"/>
+            <a:lstStyle/>
+            <a:p>
+              <a:pPr algn="ctr"/>
+              <a:endParaRPr lang="en-GB" sz="1155" dirty="0"/>
+            </a:p>
+          </p:txBody>
+        </p:sp>
+        <p:sp>
+          <p:nvSpPr>
+            <p:cNvPr id="32" name="Rectangle 31">
+              <a:extLst>
+                <a:ext uri="{FF2B5EF4-FFF2-40B4-BE49-F238E27FC236}">
+                  <a16:creationId xmlns:a16="http://schemas.microsoft.com/office/drawing/2014/main" id="{D787776B-43DB-4CC0-9181-4863A7A4E493}"/>
+                </a:ext>
+              </a:extLst>
+            </p:cNvPr>
+            <p:cNvSpPr/>
+            <p:nvPr/>
+          </p:nvSpPr>
+          <p:spPr>
+            <a:xfrm rot="5400000">
+              <a:off x="3671952" y="3046594"/>
+              <a:ext cx="594481" cy="72498"/>
+            </a:xfrm>
+            <a:prstGeom prst="rect">
+              <a:avLst/>
+            </a:prstGeom>
+            <a:ln>
+              <a:solidFill>
+                <a:schemeClr val="tx1"/>
+              </a:solidFill>
+            </a:ln>
+          </p:spPr>
+          <p:style>
+            <a:lnRef idx="2">
+              <a:schemeClr val="accent1">
+                <a:shade val="50000"/>
+              </a:schemeClr>
+            </a:lnRef>
+            <a:fillRef idx="1">
+              <a:schemeClr val="accent1"/>
+            </a:fillRef>
+            <a:effectRef idx="0">
+              <a:schemeClr val="accent1"/>
+            </a:effectRef>
+            <a:fontRef idx="minor">
+              <a:schemeClr val="lt1"/>
+            </a:fontRef>
+          </p:style>
+          <p:txBody>
+            <a:bodyPr rtlCol="0" anchor="ctr"/>
+            <a:lstStyle/>
+            <a:p>
+              <a:pPr algn="ctr"/>
+              <a:endParaRPr lang="en-GB" sz="1155"/>
+            </a:p>
+          </p:txBody>
+        </p:sp>
+        <p:sp>
+          <p:nvSpPr>
+            <p:cNvPr id="34" name="Rectangle 33">
+              <a:extLst>
+                <a:ext uri="{FF2B5EF4-FFF2-40B4-BE49-F238E27FC236}">
+                  <a16:creationId xmlns:a16="http://schemas.microsoft.com/office/drawing/2014/main" id="{AEA7FC44-BD65-4C9E-956A-C01F1D1BE394}"/>
+                </a:ext>
+              </a:extLst>
+            </p:cNvPr>
+            <p:cNvSpPr/>
+            <p:nvPr/>
+          </p:nvSpPr>
+          <p:spPr>
+            <a:xfrm>
+              <a:off x="4584181" y="3961570"/>
+              <a:ext cx="632503" cy="79204"/>
+            </a:xfrm>
+            <a:prstGeom prst="rect">
+              <a:avLst/>
+            </a:prstGeom>
+            <a:ln>
+              <a:solidFill>
+                <a:schemeClr val="tx1"/>
+              </a:solidFill>
+            </a:ln>
+          </p:spPr>
+          <p:style>
+            <a:lnRef idx="2">
+              <a:schemeClr val="accent1">
+                <a:shade val="50000"/>
+              </a:schemeClr>
+            </a:lnRef>
+            <a:fillRef idx="1">
+              <a:schemeClr val="accent1"/>
+            </a:fillRef>
+            <a:effectRef idx="0">
+              <a:schemeClr val="accent1"/>
+            </a:effectRef>
+            <a:fontRef idx="minor">
+              <a:schemeClr val="lt1"/>
+            </a:fontRef>
+          </p:style>
+          <p:txBody>
+            <a:bodyPr rtlCol="0" anchor="ctr"/>
+            <a:lstStyle/>
+            <a:p>
+              <a:pPr algn="ctr"/>
+              <a:endParaRPr lang="en-GB" sz="1155"/>
+            </a:p>
+          </p:txBody>
+        </p:sp>
+        <p:sp>
+          <p:nvSpPr>
+            <p:cNvPr id="36" name="Rectangle 35">
+              <a:extLst>
+                <a:ext uri="{FF2B5EF4-FFF2-40B4-BE49-F238E27FC236}">
+                  <a16:creationId xmlns:a16="http://schemas.microsoft.com/office/drawing/2014/main" id="{B3C321C7-296F-46A1-8C5C-5F462C403167}"/>
+                </a:ext>
+              </a:extLst>
+            </p:cNvPr>
+            <p:cNvSpPr/>
+            <p:nvPr/>
+          </p:nvSpPr>
+          <p:spPr>
+            <a:xfrm rot="5400000">
+              <a:off x="5513400" y="3055529"/>
+              <a:ext cx="560480" cy="88631"/>
+            </a:xfrm>
+            <a:prstGeom prst="rect">
+              <a:avLst/>
+            </a:prstGeom>
+            <a:ln>
+              <a:solidFill>
+                <a:schemeClr val="tx1"/>
+              </a:solidFill>
+            </a:ln>
+          </p:spPr>
+          <p:style>
+            <a:lnRef idx="2">
+              <a:schemeClr val="accent1">
+                <a:shade val="50000"/>
+              </a:schemeClr>
+            </a:lnRef>
+            <a:fillRef idx="1">
+              <a:schemeClr val="accent1"/>
+            </a:fillRef>
+            <a:effectRef idx="0">
+              <a:schemeClr val="accent1"/>
+            </a:effectRef>
+            <a:fontRef idx="minor">
+              <a:schemeClr val="lt1"/>
+            </a:fontRef>
+          </p:style>
+          <p:txBody>
+            <a:bodyPr rtlCol="0" anchor="ctr"/>
+            <a:lstStyle/>
+            <a:p>
+              <a:pPr algn="ctr"/>
+              <a:endParaRPr lang="en-GB" sz="1155"/>
+            </a:p>
+          </p:txBody>
+        </p:sp>
+        <p:sp>
+          <p:nvSpPr>
+            <p:cNvPr id="45" name="TextBox 44">
+              <a:extLst>
+                <a:ext uri="{FF2B5EF4-FFF2-40B4-BE49-F238E27FC236}">
+                  <a16:creationId xmlns:a16="http://schemas.microsoft.com/office/drawing/2014/main" id="{FE399FFC-13E1-4ED1-9665-320AE1C0A9C2}"/>
+                </a:ext>
+              </a:extLst>
+            </p:cNvPr>
+            <p:cNvSpPr txBox="1"/>
+            <p:nvPr/>
+          </p:nvSpPr>
+          <p:spPr>
+            <a:xfrm>
+              <a:off x="6450764" y="4527956"/>
+              <a:ext cx="184731" cy="270074"/>
+            </a:xfrm>
+            <a:prstGeom prst="rect">
+              <a:avLst/>
+            </a:prstGeom>
+            <a:noFill/>
+          </p:spPr>
+          <p:txBody>
+            <a:bodyPr wrap="none" rtlCol="0">
+              <a:spAutoFit/>
+            </a:bodyPr>
+            <a:lstStyle/>
+            <a:p>
+              <a:endParaRPr lang="en-GB" sz="1155" dirty="0"/>
+            </a:p>
+          </p:txBody>
+        </p:sp>
+        <p:sp>
+          <p:nvSpPr>
+            <p:cNvPr id="5" name="Rectangle 4">
+              <a:extLst>
+                <a:ext uri="{FF2B5EF4-FFF2-40B4-BE49-F238E27FC236}">
+                  <a16:creationId xmlns:a16="http://schemas.microsoft.com/office/drawing/2014/main" id="{2D6C5510-DBBA-463B-8B9F-CEAF65F94CCE}"/>
+                </a:ext>
+              </a:extLst>
+            </p:cNvPr>
+            <p:cNvSpPr/>
+            <p:nvPr/>
+          </p:nvSpPr>
+          <p:spPr>
+            <a:xfrm>
+              <a:off x="4317821" y="1495264"/>
+              <a:ext cx="544648" cy="136741"/>
+            </a:xfrm>
+            <a:prstGeom prst="rect">
+              <a:avLst/>
+            </a:prstGeom>
+            <a:solidFill>
+              <a:srgbClr val="FF0000"/>
+            </a:solidFill>
+            <a:ln w="19050">
+              <a:solidFill>
+                <a:schemeClr val="tx1"/>
+              </a:solidFill>
+            </a:ln>
+          </p:spPr>
+          <p:style>
+            <a:lnRef idx="2">
+              <a:schemeClr val="accent1">
+                <a:shade val="50000"/>
+              </a:schemeClr>
+            </a:lnRef>
+            <a:fillRef idx="1">
+              <a:schemeClr val="accent1"/>
+            </a:fillRef>
+            <a:effectRef idx="0">
+              <a:schemeClr val="accent1"/>
+            </a:effectRef>
+            <a:fontRef idx="minor">
+              <a:schemeClr val="lt1"/>
+            </a:fontRef>
+          </p:style>
+          <p:txBody>
+            <a:bodyPr rtlCol="0" anchor="ctr"/>
+            <a:lstStyle/>
+            <a:p>
+              <a:pPr algn="ctr"/>
+              <a:endParaRPr lang="en-GB"/>
+            </a:p>
+          </p:txBody>
+        </p:sp>
+        <p:sp>
+          <p:nvSpPr>
+            <p:cNvPr id="6" name="TextBox 5">
+              <a:extLst>
+                <a:ext uri="{FF2B5EF4-FFF2-40B4-BE49-F238E27FC236}">
+                  <a16:creationId xmlns:a16="http://schemas.microsoft.com/office/drawing/2014/main" id="{168A1EE5-6E4B-4FE0-BD58-9E1A5178F727}"/>
+                </a:ext>
+              </a:extLst>
+            </p:cNvPr>
+            <p:cNvSpPr txBox="1"/>
+            <p:nvPr/>
+          </p:nvSpPr>
+          <p:spPr>
+            <a:xfrm>
+              <a:off x="4862090" y="1417426"/>
+              <a:ext cx="931665" cy="270843"/>
+            </a:xfrm>
+            <a:prstGeom prst="rect">
+              <a:avLst/>
+            </a:prstGeom>
+            <a:noFill/>
+          </p:spPr>
+          <p:txBody>
+            <a:bodyPr wrap="none" rtlCol="0">
+              <a:spAutoFit/>
+            </a:bodyPr>
+            <a:lstStyle/>
+            <a:p>
+              <a:r>
+                <a:rPr lang="en-GB" sz="1160" dirty="0"/>
+                <a:t>= North face</a:t>
+              </a:r>
+            </a:p>
+          </p:txBody>
+        </p:sp>
+        <p:sp>
+          <p:nvSpPr>
+            <p:cNvPr id="39" name="Rectangle 38">
+              <a:extLst>
+                <a:ext uri="{FF2B5EF4-FFF2-40B4-BE49-F238E27FC236}">
+                  <a16:creationId xmlns:a16="http://schemas.microsoft.com/office/drawing/2014/main" id="{00D344BA-F476-4F73-B934-99A1ECF9D6C8}"/>
+                </a:ext>
+              </a:extLst>
+            </p:cNvPr>
+            <p:cNvSpPr/>
+            <p:nvPr/>
+          </p:nvSpPr>
+          <p:spPr>
+            <a:xfrm>
+              <a:off x="4317821" y="1631292"/>
+              <a:ext cx="544648" cy="117405"/>
+            </a:xfrm>
+            <a:prstGeom prst="rect">
+              <a:avLst/>
+            </a:prstGeom>
+            <a:solidFill>
+              <a:srgbClr val="0070C0"/>
+            </a:solidFill>
+            <a:ln w="19050">
+              <a:solidFill>
+                <a:schemeClr val="tx1"/>
+              </a:solidFill>
+            </a:ln>
+          </p:spPr>
+          <p:style>
+            <a:lnRef idx="2">
+              <a:schemeClr val="accent1">
+                <a:shade val="50000"/>
+              </a:schemeClr>
+            </a:lnRef>
+            <a:fillRef idx="1">
+              <a:schemeClr val="accent1"/>
+            </a:fillRef>
+            <a:effectRef idx="0">
+              <a:schemeClr val="accent1"/>
+            </a:effectRef>
+            <a:fontRef idx="minor">
+              <a:schemeClr val="lt1"/>
+            </a:fontRef>
+          </p:style>
+          <p:txBody>
+            <a:bodyPr rtlCol="0" anchor="ctr"/>
+            <a:lstStyle/>
+            <a:p>
+              <a:pPr algn="ctr"/>
+              <a:endParaRPr lang="en-GB"/>
+            </a:p>
+          </p:txBody>
+        </p:sp>
+        <p:sp>
+          <p:nvSpPr>
+            <p:cNvPr id="40" name="TextBox 39">
+              <a:extLst>
+                <a:ext uri="{FF2B5EF4-FFF2-40B4-BE49-F238E27FC236}">
+                  <a16:creationId xmlns:a16="http://schemas.microsoft.com/office/drawing/2014/main" id="{CBFF6F84-D343-4824-A507-5C6B334902D0}"/>
+                </a:ext>
+              </a:extLst>
+            </p:cNvPr>
+            <p:cNvSpPr txBox="1"/>
+            <p:nvPr/>
+          </p:nvSpPr>
+          <p:spPr>
+            <a:xfrm>
+              <a:off x="4862090" y="1564706"/>
+              <a:ext cx="931665" cy="270843"/>
+            </a:xfrm>
+            <a:prstGeom prst="rect">
+              <a:avLst/>
+            </a:prstGeom>
+            <a:noFill/>
+          </p:spPr>
+          <p:txBody>
+            <a:bodyPr wrap="none" rtlCol="0">
+              <a:spAutoFit/>
+            </a:bodyPr>
+            <a:lstStyle/>
+            <a:p>
+              <a:r>
+                <a:rPr lang="en-GB" sz="1160" dirty="0"/>
+                <a:t>= South face</a:t>
+              </a:r>
+            </a:p>
+          </p:txBody>
+        </p:sp>
+        <p:sp>
+          <p:nvSpPr>
+            <p:cNvPr id="7" name="Rectangle 6">
+              <a:extLst>
+                <a:ext uri="{FF2B5EF4-FFF2-40B4-BE49-F238E27FC236}">
+                  <a16:creationId xmlns:a16="http://schemas.microsoft.com/office/drawing/2014/main" id="{0E77785C-886A-4EBB-B19B-02EC768A1578}"/>
+                </a:ext>
+              </a:extLst>
+            </p:cNvPr>
+            <p:cNvSpPr/>
+            <p:nvPr/>
+          </p:nvSpPr>
+          <p:spPr>
+            <a:xfrm>
+              <a:off x="4196448" y="1389931"/>
+              <a:ext cx="1658356" cy="489728"/>
+            </a:xfrm>
+            <a:prstGeom prst="rect">
+              <a:avLst/>
+            </a:prstGeom>
+            <a:noFill/>
+            <a:ln>
+              <a:solidFill>
+                <a:schemeClr val="tx1"/>
+              </a:solidFill>
+              <a:prstDash val="dash"/>
+            </a:ln>
+          </p:spPr>
+          <p:style>
+            <a:lnRef idx="2">
+              <a:schemeClr val="accent1">
+                <a:shade val="50000"/>
+              </a:schemeClr>
+            </a:lnRef>
+            <a:fillRef idx="1">
+              <a:schemeClr val="accent1"/>
+            </a:fillRef>
+            <a:effectRef idx="0">
+              <a:schemeClr val="accent1"/>
+            </a:effectRef>
+            <a:fontRef idx="minor">
+              <a:schemeClr val="lt1"/>
+            </a:fontRef>
+          </p:style>
+          <p:txBody>
+            <a:bodyPr rtlCol="0" anchor="ctr"/>
+            <a:lstStyle/>
+            <a:p>
+              <a:pPr algn="ctr"/>
+              <a:endParaRPr lang="en-GB"/>
+            </a:p>
+          </p:txBody>
+        </p:sp>
+        <p:sp>
+          <p:nvSpPr>
+            <p:cNvPr id="54" name="TextBox 53">
+              <a:extLst>
+                <a:ext uri="{FF2B5EF4-FFF2-40B4-BE49-F238E27FC236}">
+                  <a16:creationId xmlns:a16="http://schemas.microsoft.com/office/drawing/2014/main" id="{FEDE4BD8-88AE-4085-843D-7EA0E4B90943}"/>
+                </a:ext>
+              </a:extLst>
+            </p:cNvPr>
+            <p:cNvSpPr txBox="1"/>
+            <p:nvPr/>
+          </p:nvSpPr>
+          <p:spPr>
+            <a:xfrm>
+              <a:off x="7804503" y="2913714"/>
+              <a:ext cx="1430200" cy="270074"/>
+            </a:xfrm>
+            <a:prstGeom prst="rect">
+              <a:avLst/>
+            </a:prstGeom>
+            <a:noFill/>
+          </p:spPr>
+          <p:txBody>
+            <a:bodyPr wrap="none" rtlCol="0">
+              <a:spAutoFit/>
+            </a:bodyPr>
+            <a:lstStyle/>
+            <a:p>
+              <a:r>
+                <a:rPr lang="en-GB" sz="1155" dirty="0"/>
+                <a:t>Neodymium Magnet</a:t>
+              </a:r>
+            </a:p>
+          </p:txBody>
+        </p:sp>
+      </p:grpSp>
+      <p:grpSp>
+        <p:nvGrpSpPr>
+          <p:cNvPr id="23" name="Group 22">
+            <a:extLst>
+              <a:ext uri="{FF2B5EF4-FFF2-40B4-BE49-F238E27FC236}">
+                <a16:creationId xmlns:a16="http://schemas.microsoft.com/office/drawing/2014/main" id="{4B252F21-2784-4E65-8C5A-BF3E940CAB54}"/>
+              </a:ext>
+            </a:extLst>
+          </p:cNvPr>
+          <p:cNvGrpSpPr/>
+          <p:nvPr/>
+        </p:nvGrpSpPr>
+        <p:grpSpPr>
+          <a:xfrm>
+            <a:off x="7802417" y="910209"/>
+            <a:ext cx="3269376" cy="4345268"/>
+            <a:chOff x="8325809" y="824174"/>
+            <a:chExt cx="3269376" cy="4345268"/>
+          </a:xfrm>
+        </p:grpSpPr>
+        <p:pic>
+          <p:nvPicPr>
+            <p:cNvPr id="10" name="Picture 9" descr="A picture containing object&#10;&#10;Description automatically generated">
+              <a:extLst>
+                <a:ext uri="{FF2B5EF4-FFF2-40B4-BE49-F238E27FC236}">
+                  <a16:creationId xmlns:a16="http://schemas.microsoft.com/office/drawing/2014/main" id="{38194DB7-2D5B-4A89-842D-EF5DCD3C7044}"/>
+                </a:ext>
+              </a:extLst>
+            </p:cNvPr>
+            <p:cNvPicPr>
+              <a:picLocks noChangeAspect="1"/>
+            </p:cNvPicPr>
+            <p:nvPr/>
+          </p:nvPicPr>
+          <p:blipFill>
+            <a:blip r:embed="rId2">
+              <a:extLst>
+                <a:ext uri="{28A0092B-C50C-407E-A947-70E740481C1C}">
+                  <a14:useLocalDpi xmlns:a14="http://schemas.microsoft.com/office/drawing/2010/main" val="0"/>
+                </a:ext>
+              </a:extLst>
+            </a:blip>
+            <a:stretch>
+              <a:fillRect/>
+            </a:stretch>
+          </p:blipFill>
+          <p:spPr>
+            <a:xfrm>
+              <a:off x="9913149" y="1046663"/>
+              <a:ext cx="1682036" cy="4122779"/>
+            </a:xfrm>
+            <a:prstGeom prst="rect">
+              <a:avLst/>
+            </a:prstGeom>
+          </p:spPr>
+        </p:pic>
+        <p:grpSp>
+          <p:nvGrpSpPr>
+            <p:cNvPr id="22" name="Group 21">
+              <a:extLst>
+                <a:ext uri="{FF2B5EF4-FFF2-40B4-BE49-F238E27FC236}">
+                  <a16:creationId xmlns:a16="http://schemas.microsoft.com/office/drawing/2014/main" id="{14B9FAD1-9A71-4910-83CE-0DB6E06881F1}"/>
+                </a:ext>
+              </a:extLst>
+            </p:cNvPr>
+            <p:cNvGrpSpPr/>
+            <p:nvPr/>
+          </p:nvGrpSpPr>
+          <p:grpSpPr>
+            <a:xfrm>
+              <a:off x="8325809" y="824174"/>
+              <a:ext cx="2347442" cy="3928580"/>
+              <a:chOff x="8325809" y="824174"/>
+              <a:chExt cx="2347442" cy="3928580"/>
+            </a:xfrm>
+          </p:grpSpPr>
+          <p:sp>
+            <p:nvSpPr>
+              <p:cNvPr id="15" name="TextBox 14">
+                <a:extLst>
+                  <a:ext uri="{FF2B5EF4-FFF2-40B4-BE49-F238E27FC236}">
+                    <a16:creationId xmlns:a16="http://schemas.microsoft.com/office/drawing/2014/main" id="{3C7CC029-5F52-4858-8EB8-67FB44F0E3A9}"/>
+                  </a:ext>
+                </a:extLst>
+              </p:cNvPr>
+              <p:cNvSpPr txBox="1"/>
+              <p:nvPr/>
+            </p:nvSpPr>
+            <p:spPr>
+              <a:xfrm>
+                <a:off x="8325809" y="2133701"/>
+                <a:ext cx="1181734" cy="270843"/>
+              </a:xfrm>
+              <a:prstGeom prst="rect">
+                <a:avLst/>
+              </a:prstGeom>
+              <a:noFill/>
+            </p:spPr>
+            <p:txBody>
+              <a:bodyPr wrap="none" rtlCol="0">
+                <a:spAutoFit/>
+              </a:bodyPr>
+              <a:lstStyle/>
+              <a:p>
+                <a:r>
+                  <a:rPr lang="en-GB" sz="1160" dirty="0"/>
+                  <a:t>Rigid Outer Core</a:t>
+                </a:r>
+              </a:p>
+            </p:txBody>
+          </p:sp>
+          <p:sp>
+            <p:nvSpPr>
+              <p:cNvPr id="100" name="TextBox 99">
+                <a:extLst>
+                  <a:ext uri="{FF2B5EF4-FFF2-40B4-BE49-F238E27FC236}">
+                    <a16:creationId xmlns:a16="http://schemas.microsoft.com/office/drawing/2014/main" id="{8C4738A8-493D-41F2-88AF-8A810AD5F9BC}"/>
+                  </a:ext>
+                </a:extLst>
+              </p:cNvPr>
+              <p:cNvSpPr txBox="1"/>
+              <p:nvPr/>
+            </p:nvSpPr>
+            <p:spPr>
+              <a:xfrm>
+                <a:off x="8325809" y="4481911"/>
+                <a:ext cx="1149674" cy="270843"/>
+              </a:xfrm>
+              <a:prstGeom prst="rect">
+                <a:avLst/>
+              </a:prstGeom>
+              <a:noFill/>
+            </p:spPr>
+            <p:txBody>
+              <a:bodyPr wrap="none" rtlCol="0">
+                <a:spAutoFit/>
+              </a:bodyPr>
+              <a:lstStyle/>
+              <a:p>
+                <a:r>
+                  <a:rPr lang="en-GB" sz="1160" dirty="0"/>
+                  <a:t>Rigid Inner Core</a:t>
+                </a:r>
+              </a:p>
+            </p:txBody>
+          </p:sp>
+          <p:sp>
+            <p:nvSpPr>
+              <p:cNvPr id="101" name="TextBox 100">
+                <a:extLst>
+                  <a:ext uri="{FF2B5EF4-FFF2-40B4-BE49-F238E27FC236}">
+                    <a16:creationId xmlns:a16="http://schemas.microsoft.com/office/drawing/2014/main" id="{9807B215-169D-42E0-B49B-455F76172B4D}"/>
+                  </a:ext>
+                </a:extLst>
+              </p:cNvPr>
+              <p:cNvSpPr txBox="1"/>
+              <p:nvPr/>
+            </p:nvSpPr>
+            <p:spPr>
+              <a:xfrm>
+                <a:off x="8325809" y="824174"/>
+                <a:ext cx="1353256" cy="270843"/>
+              </a:xfrm>
+              <a:prstGeom prst="rect">
+                <a:avLst/>
+              </a:prstGeom>
+              <a:noFill/>
+            </p:spPr>
+            <p:txBody>
+              <a:bodyPr wrap="none" rtlCol="0">
+                <a:spAutoFit/>
+              </a:bodyPr>
+              <a:lstStyle/>
+              <a:p>
+                <a:r>
+                  <a:rPr lang="en-GB" sz="1160" dirty="0"/>
+                  <a:t>Hyperelastic Silicon</a:t>
+                </a:r>
+              </a:p>
+            </p:txBody>
+          </p:sp>
+          <p:cxnSp>
+            <p:nvCxnSpPr>
+              <p:cNvPr id="17" name="Straight Arrow Connector 16">
+                <a:extLst>
+                  <a:ext uri="{FF2B5EF4-FFF2-40B4-BE49-F238E27FC236}">
+                    <a16:creationId xmlns:a16="http://schemas.microsoft.com/office/drawing/2014/main" id="{0FD48A7A-2048-4998-93AA-84F281768F95}"/>
+                  </a:ext>
+                </a:extLst>
+              </p:cNvPr>
+              <p:cNvCxnSpPr>
+                <a:cxnSpLocks/>
+                <a:stCxn id="101" idx="3"/>
+              </p:cNvCxnSpPr>
+              <p:nvPr/>
+            </p:nvCxnSpPr>
+            <p:spPr>
+              <a:xfrm>
+                <a:off x="9679065" y="959596"/>
+                <a:ext cx="825902" cy="430335"/>
+              </a:xfrm>
+              <a:prstGeom prst="straightConnector1">
+                <a:avLst/>
+              </a:prstGeom>
+              <a:ln w="19050">
+                <a:solidFill>
+                  <a:schemeClr val="tx1"/>
+                </a:solidFill>
+                <a:tailEnd type="triangle"/>
+              </a:ln>
+            </p:spPr>
+            <p:style>
+              <a:lnRef idx="1">
+                <a:schemeClr val="accent1"/>
+              </a:lnRef>
+              <a:fillRef idx="0">
+                <a:schemeClr val="accent1"/>
+              </a:fillRef>
+              <a:effectRef idx="0">
+                <a:schemeClr val="accent1"/>
+              </a:effectRef>
+              <a:fontRef idx="minor">
+                <a:schemeClr val="tx1"/>
+              </a:fontRef>
+            </p:style>
+          </p:cxnSp>
+          <p:cxnSp>
+            <p:nvCxnSpPr>
+              <p:cNvPr id="102" name="Straight Arrow Connector 101">
+                <a:extLst>
+                  <a:ext uri="{FF2B5EF4-FFF2-40B4-BE49-F238E27FC236}">
+                    <a16:creationId xmlns:a16="http://schemas.microsoft.com/office/drawing/2014/main" id="{8C2A1973-B812-4BA1-892B-7415B2C557A8}"/>
+                  </a:ext>
+                </a:extLst>
+              </p:cNvPr>
+              <p:cNvCxnSpPr>
+                <a:cxnSpLocks/>
+              </p:cNvCxnSpPr>
+              <p:nvPr/>
+            </p:nvCxnSpPr>
+            <p:spPr>
+              <a:xfrm>
+                <a:off x="9424055" y="2268738"/>
+                <a:ext cx="1011317" cy="28640"/>
+              </a:xfrm>
+              <a:prstGeom prst="straightConnector1">
+                <a:avLst/>
+              </a:prstGeom>
+              <a:ln w="19050">
+                <a:solidFill>
+                  <a:schemeClr val="tx1"/>
+                </a:solidFill>
+                <a:tailEnd type="triangle"/>
+              </a:ln>
+            </p:spPr>
+            <p:style>
+              <a:lnRef idx="1">
+                <a:schemeClr val="accent1"/>
+              </a:lnRef>
+              <a:fillRef idx="0">
+                <a:schemeClr val="accent1"/>
+              </a:fillRef>
+              <a:effectRef idx="0">
+                <a:schemeClr val="accent1"/>
+              </a:effectRef>
+              <a:fontRef idx="minor">
+                <a:schemeClr val="tx1"/>
+              </a:fontRef>
+            </p:style>
+          </p:cxnSp>
+          <p:cxnSp>
+            <p:nvCxnSpPr>
+              <p:cNvPr id="106" name="Straight Arrow Connector 105">
+                <a:extLst>
+                  <a:ext uri="{FF2B5EF4-FFF2-40B4-BE49-F238E27FC236}">
+                    <a16:creationId xmlns:a16="http://schemas.microsoft.com/office/drawing/2014/main" id="{85C6BC46-75AF-4552-8C95-FEE35134CCF2}"/>
+                  </a:ext>
+                </a:extLst>
+              </p:cNvPr>
+              <p:cNvCxnSpPr>
+                <a:cxnSpLocks/>
+              </p:cNvCxnSpPr>
+              <p:nvPr/>
+            </p:nvCxnSpPr>
+            <p:spPr>
+              <a:xfrm>
+                <a:off x="9424055" y="4603012"/>
+                <a:ext cx="1080912" cy="28640"/>
+              </a:xfrm>
+              <a:prstGeom prst="straightConnector1">
+                <a:avLst/>
+              </a:prstGeom>
+              <a:ln w="19050">
+                <a:solidFill>
+                  <a:schemeClr val="tx1"/>
+                </a:solidFill>
+                <a:tailEnd type="triangle"/>
+              </a:ln>
+            </p:spPr>
+            <p:style>
+              <a:lnRef idx="1">
+                <a:schemeClr val="accent1"/>
+              </a:lnRef>
+              <a:fillRef idx="0">
+                <a:schemeClr val="accent1"/>
+              </a:fillRef>
+              <a:effectRef idx="0">
+                <a:schemeClr val="accent1"/>
+              </a:effectRef>
+              <a:fontRef idx="minor">
+                <a:schemeClr val="tx1"/>
+              </a:fontRef>
+            </p:style>
+          </p:cxnSp>
+          <p:cxnSp>
+            <p:nvCxnSpPr>
+              <p:cNvPr id="55" name="Straight Arrow Connector 54">
+                <a:extLst>
+                  <a:ext uri="{FF2B5EF4-FFF2-40B4-BE49-F238E27FC236}">
+                    <a16:creationId xmlns:a16="http://schemas.microsoft.com/office/drawing/2014/main" id="{953442A6-2B68-43AF-AD88-2A89EE3CC37A}"/>
+                  </a:ext>
+                </a:extLst>
+              </p:cNvPr>
+              <p:cNvCxnSpPr>
+                <a:cxnSpLocks/>
+                <a:endCxn id="3" idx="2"/>
+              </p:cNvCxnSpPr>
+              <p:nvPr/>
+            </p:nvCxnSpPr>
+            <p:spPr>
+              <a:xfrm flipV="1">
+                <a:off x="9657558" y="2947143"/>
+                <a:ext cx="1015693" cy="15574"/>
+              </a:xfrm>
+              <a:prstGeom prst="straightConnector1">
+                <a:avLst/>
+              </a:prstGeom>
+              <a:ln w="19050">
+                <a:solidFill>
+                  <a:schemeClr val="tx1"/>
+                </a:solidFill>
+                <a:tailEnd type="triangle"/>
+              </a:ln>
+            </p:spPr>
+            <p:style>
+              <a:lnRef idx="1">
+                <a:schemeClr val="accent1"/>
+              </a:lnRef>
+              <a:fillRef idx="0">
+                <a:schemeClr val="accent1"/>
+              </a:fillRef>
+              <a:effectRef idx="0">
+                <a:schemeClr val="accent1"/>
+              </a:effectRef>
+              <a:fontRef idx="minor">
+                <a:schemeClr val="tx1"/>
+              </a:fontRef>
+            </p:style>
+          </p:cxnSp>
+        </p:grpSp>
+      </p:grpSp>
+      <p:sp>
+        <p:nvSpPr>
+          <p:cNvPr id="3" name="Oval 2">
+            <a:extLst>
+              <a:ext uri="{FF2B5EF4-FFF2-40B4-BE49-F238E27FC236}">
+                <a16:creationId xmlns:a16="http://schemas.microsoft.com/office/drawing/2014/main" id="{392C06E8-83EA-4268-9997-83C4117C40F7}"/>
+              </a:ext>
+            </a:extLst>
+          </p:cNvPr>
+          <p:cNvSpPr/>
+          <p:nvPr/>
+        </p:nvSpPr>
+        <p:spPr>
+          <a:xfrm>
+            <a:off x="10149859" y="2962384"/>
+            <a:ext cx="161832" cy="141587"/>
+          </a:xfrm>
+          <a:prstGeom prst="ellipse">
+            <a:avLst/>
+          </a:prstGeom>
+          <a:solidFill>
+            <a:schemeClr val="tx2">
+              <a:lumMod val="40000"/>
+              <a:lumOff val="60000"/>
+            </a:schemeClr>
+          </a:solidFill>
+          <a:ln>
+            <a:solidFill>
+              <a:schemeClr val="tx1"/>
+            </a:solidFill>
+          </a:ln>
+        </p:spPr>
+        <p:style>
+          <a:lnRef idx="2">
+            <a:schemeClr val="accent1">
+              <a:shade val="50000"/>
+            </a:schemeClr>
+          </a:lnRef>
+          <a:fillRef idx="1">
+            <a:schemeClr val="accent1"/>
+          </a:fillRef>
+          <a:effectRef idx="0">
+            <a:schemeClr val="accent1"/>
+          </a:effectRef>
+          <a:fontRef idx="minor">
+            <a:schemeClr val="lt1"/>
+          </a:fontRef>
+        </p:style>
+        <p:txBody>
+          <a:bodyPr rtlCol="0" anchor="ctr"/>
+          <a:lstStyle/>
+          <a:p>
+            <a:pPr algn="ctr"/>
+            <a:endParaRPr lang="en-GB"/>
+          </a:p>
+        </p:txBody>
+      </p:sp>
+      <p:sp>
+        <p:nvSpPr>
+          <p:cNvPr id="4" name="Rectangle 3">
+            <a:extLst>
+              <a:ext uri="{FF2B5EF4-FFF2-40B4-BE49-F238E27FC236}">
+                <a16:creationId xmlns:a16="http://schemas.microsoft.com/office/drawing/2014/main" id="{E6EB2522-5E1F-4EAD-97CD-88EDDE104534}"/>
+              </a:ext>
+            </a:extLst>
+          </p:cNvPr>
+          <p:cNvSpPr/>
+          <p:nvPr/>
+        </p:nvSpPr>
+        <p:spPr>
+          <a:xfrm>
+            <a:off x="9814823" y="2827347"/>
+            <a:ext cx="45719" cy="153878"/>
+          </a:xfrm>
+          <a:prstGeom prst="rect">
+            <a:avLst/>
+          </a:prstGeom>
+          <a:solidFill>
+            <a:schemeClr val="tx2">
+              <a:lumMod val="40000"/>
+              <a:lumOff val="60000"/>
+            </a:schemeClr>
+          </a:solidFill>
+          <a:ln>
+            <a:solidFill>
+              <a:schemeClr val="tx1"/>
+            </a:solidFill>
+          </a:ln>
+        </p:spPr>
+        <p:style>
+          <a:lnRef idx="2">
+            <a:schemeClr val="accent1">
+              <a:shade val="50000"/>
+            </a:schemeClr>
+          </a:lnRef>
+          <a:fillRef idx="1">
+            <a:schemeClr val="accent1"/>
+          </a:fillRef>
+          <a:effectRef idx="0">
+            <a:schemeClr val="accent1"/>
+          </a:effectRef>
+          <a:fontRef idx="minor">
+            <a:schemeClr val="lt1"/>
+          </a:fontRef>
+        </p:style>
+        <p:txBody>
+          <a:bodyPr rtlCol="0" anchor="ctr"/>
+          <a:lstStyle/>
+          <a:p>
+            <a:pPr algn="ctr"/>
+            <a:endParaRPr lang="en-GB"/>
+          </a:p>
+        </p:txBody>
+      </p:sp>
+      <p:sp>
+        <p:nvSpPr>
+          <p:cNvPr id="52" name="Rectangle 51">
+            <a:extLst>
+              <a:ext uri="{FF2B5EF4-FFF2-40B4-BE49-F238E27FC236}">
+                <a16:creationId xmlns:a16="http://schemas.microsoft.com/office/drawing/2014/main" id="{D1146501-BF8A-40F2-9874-07F206E43419}"/>
+              </a:ext>
+            </a:extLst>
+          </p:cNvPr>
+          <p:cNvSpPr/>
+          <p:nvPr/>
+        </p:nvSpPr>
+        <p:spPr>
+          <a:xfrm>
+            <a:off x="10572919" y="2827347"/>
+            <a:ext cx="45719" cy="153878"/>
+          </a:xfrm>
+          <a:prstGeom prst="rect">
+            <a:avLst/>
+          </a:prstGeom>
+          <a:solidFill>
+            <a:schemeClr val="tx2">
+              <a:lumMod val="40000"/>
+              <a:lumOff val="60000"/>
+            </a:schemeClr>
+          </a:solidFill>
+          <a:ln>
+            <a:solidFill>
+              <a:schemeClr val="tx1"/>
+            </a:solidFill>
+          </a:ln>
+        </p:spPr>
+        <p:style>
+          <a:lnRef idx="2">
+            <a:schemeClr val="accent1">
+              <a:shade val="50000"/>
+            </a:schemeClr>
+          </a:lnRef>
+          <a:fillRef idx="1">
+            <a:schemeClr val="accent1"/>
+          </a:fillRef>
+          <a:effectRef idx="0">
+            <a:schemeClr val="accent1"/>
+          </a:effectRef>
+          <a:fontRef idx="minor">
+            <a:schemeClr val="lt1"/>
+          </a:fontRef>
+        </p:style>
+        <p:txBody>
+          <a:bodyPr rtlCol="0" anchor="ctr"/>
+          <a:lstStyle/>
+          <a:p>
+            <a:pPr algn="ctr"/>
+            <a:endParaRPr lang="en-GB"/>
+          </a:p>
+        </p:txBody>
+      </p:sp>
+    </p:spTree>
+    <p:extLst>
+      <p:ext uri="{BB962C8B-B14F-4D97-AF65-F5344CB8AC3E}">
+        <p14:creationId xmlns:p14="http://schemas.microsoft.com/office/powerpoint/2010/main" val="1071189377"/>
       </p:ext>
     </p:extLst>
   </p:cSld>
